--- a/presentation/uniHD_tsar - Copy.pptx
+++ b/presentation/uniHD_tsar - Copy.pptx
@@ -9611,12 +9611,24 @@
             </a:r>
             <a:r>
               <a:rPr lang="en-US" sz="1000" b="0" strike="noStrike" spc="-1" dirty="0">
+                <a:solidFill>
+                  <a:srgbClr val="C61826"/>
+                </a:solidFill>
                 <a:latin typeface="TradeGothic LT"/>
-                <a:hlinkClick r:id="rId8"/>
+                <a:hlinkClick r:id="rId8">
+                  <a:extLst>
+                    <a:ext uri="{A12FA001-AC4F-418D-AE19-62706E023703}">
+                      <ahyp:hlinkClr xmlns:ahyp="http://schemas.microsoft.com/office/drawing/2018/hyperlinkcolor" val="tx"/>
+                    </a:ext>
+                  </a:extLst>
+                </a:hlinkClick>
               </a:rPr>
               <a:t>https://freecontent.manning.com/neural-network-architectures/</a:t>
             </a:r>
             <a:endParaRPr lang="en-US" sz="1000" b="0" strike="noStrike" spc="-1" dirty="0">
+              <a:solidFill>
+                <a:srgbClr val="C61826"/>
+              </a:solidFill>
               <a:latin typeface="TradeGothic LT"/>
             </a:endParaRPr>
           </a:p>
@@ -10559,50 +10571,6 @@
             <a:endParaRPr lang="en-US" sz="3070" b="0" strike="noStrike" spc="-1" dirty="0">
               <a:latin typeface="TradeGothic LT"/>
             </a:endParaRPr>
-          </a:p>
-        </p:txBody>
-      </p:sp>
-      <p:sp>
-        <p:nvSpPr>
-          <p:cNvPr id="2" name="TextShape 7">
-            <a:extLst>
-              <a:ext uri="{FF2B5EF4-FFF2-40B4-BE49-F238E27FC236}">
-                <a16:creationId xmlns:a16="http://schemas.microsoft.com/office/drawing/2014/main" id="{9306B92A-292D-9219-3B36-E460E82C479B}"/>
-              </a:ext>
-            </a:extLst>
-          </p:cNvPr>
-          <p:cNvSpPr txBox="1"/>
-          <p:nvPr>
-            <p:custDataLst>
-              <p:tags r:id="rId5"/>
-            </p:custDataLst>
-          </p:nvPr>
-        </p:nvSpPr>
-        <p:spPr>
-          <a:xfrm>
-            <a:off x="4206240" y="5120640"/>
-            <a:ext cx="4937760" cy="323830"/>
-          </a:xfrm>
-          <a:prstGeom prst="rect">
-            <a:avLst/>
-          </a:prstGeom>
-          <a:noFill/>
-          <a:ln w="54720">
-            <a:noFill/>
-          </a:ln>
-        </p:spPr>
-        <p:txBody>
-          <a:bodyPr lIns="90000" tIns="45000" rIns="90000" bIns="45000">
-            <a:noAutofit/>
-          </a:bodyPr>
-          <a:lstStyle/>
-          <a:p>
-            <a:r>
-              <a:rPr lang="en-US" sz="1000" b="0" strike="noStrike" spc="-1" dirty="0">
-                <a:latin typeface="TradeGothic LT"/>
-              </a:rPr>
-              <a:t>Source: Wei et al., 2022: Emergent Abilities of Large Language Models</a:t>
-            </a:r>
           </a:p>
         </p:txBody>
       </p:sp>
@@ -33696,7 +33664,7 @@
 
 <file path=ppt/tags/tag109.xml><?xml version="1.0" encoding="utf-8"?>
 <p:tagLst xmlns:a="http://schemas.openxmlformats.org/drawingml/2006/main" xmlns:r="http://schemas.openxmlformats.org/officeDocument/2006/relationships" xmlns:p="http://schemas.openxmlformats.org/presentationml/2006/main">
-  <p:tag name="SHAPEID" val=" 2"/>
+  <p:tag name="SHAPEID" val=" 240"/>
 </p:tagLst>
 </file>
 
@@ -33708,61 +33676,61 @@
 
 <file path=ppt/tags/tag110.xml><?xml version="1.0" encoding="utf-8"?>
 <p:tagLst xmlns:a="http://schemas.openxmlformats.org/drawingml/2006/main" xmlns:r="http://schemas.openxmlformats.org/officeDocument/2006/relationships" xmlns:p="http://schemas.openxmlformats.org/presentationml/2006/main">
-  <p:tag name="SHAPEID" val=" 240"/>
-</p:tagLst>
-</file>
-
-<file path=ppt/tags/tag111.xml><?xml version="1.0" encoding="utf-8"?>
-<p:tagLst xmlns:a="http://schemas.openxmlformats.org/drawingml/2006/main" xmlns:r="http://schemas.openxmlformats.org/officeDocument/2006/relationships" xmlns:p="http://schemas.openxmlformats.org/presentationml/2006/main">
   <p:tag name="SHAPEID" val=" 241"/>
 </p:tagLst>
 </file>
 
-<file path=ppt/tags/tag112.xml><?xml version="1.0" encoding="utf-8"?>
+<file path=ppt/tags/tag111.xml><?xml version="1.0" encoding="utf-8"?>
 <p:tagLst xmlns:a="http://schemas.openxmlformats.org/drawingml/2006/main" xmlns:r="http://schemas.openxmlformats.org/officeDocument/2006/relationships" xmlns:p="http://schemas.openxmlformats.org/presentationml/2006/main">
   <p:tag name="SHAPEID" val=" 242"/>
 </p:tagLst>
 </file>
 
-<file path=ppt/tags/tag113.xml><?xml version="1.0" encoding="utf-8"?>
+<file path=ppt/tags/tag112.xml><?xml version="1.0" encoding="utf-8"?>
 <p:tagLst xmlns:a="http://schemas.openxmlformats.org/drawingml/2006/main" xmlns:r="http://schemas.openxmlformats.org/officeDocument/2006/relationships" xmlns:p="http://schemas.openxmlformats.org/presentationml/2006/main">
   <p:tag name="SHAPEID" val=" 243"/>
 </p:tagLst>
 </file>
 
-<file path=ppt/tags/tag114.xml><?xml version="1.0" encoding="utf-8"?>
+<file path=ppt/tags/tag113.xml><?xml version="1.0" encoding="utf-8"?>
 <p:tagLst xmlns:a="http://schemas.openxmlformats.org/drawingml/2006/main" xmlns:r="http://schemas.openxmlformats.org/officeDocument/2006/relationships" xmlns:p="http://schemas.openxmlformats.org/presentationml/2006/main">
   <p:tag name="SHAPEID" val=" 3"/>
 </p:tagLst>
 </file>
 
-<file path=ppt/tags/tag115.xml><?xml version="1.0" encoding="utf-8"?>
+<file path=ppt/tags/tag114.xml><?xml version="1.0" encoding="utf-8"?>
 <p:tagLst xmlns:a="http://schemas.openxmlformats.org/drawingml/2006/main" xmlns:r="http://schemas.openxmlformats.org/officeDocument/2006/relationships" xmlns:p="http://schemas.openxmlformats.org/presentationml/2006/main">
   <p:tag name="SHAPEID" val=" 4"/>
 </p:tagLst>
 </file>
 
-<file path=ppt/tags/tag116.xml><?xml version="1.0" encoding="utf-8"?>
+<file path=ppt/tags/tag115.xml><?xml version="1.0" encoding="utf-8"?>
 <p:tagLst xmlns:a="http://schemas.openxmlformats.org/drawingml/2006/main" xmlns:r="http://schemas.openxmlformats.org/officeDocument/2006/relationships" xmlns:p="http://schemas.openxmlformats.org/presentationml/2006/main">
   <p:tag name="SHAPEID" val=" 5"/>
 </p:tagLst>
 </file>
 
-<file path=ppt/tags/tag117.xml><?xml version="1.0" encoding="utf-8"?>
+<file path=ppt/tags/tag116.xml><?xml version="1.0" encoding="utf-8"?>
 <p:tagLst xmlns:a="http://schemas.openxmlformats.org/drawingml/2006/main" xmlns:r="http://schemas.openxmlformats.org/officeDocument/2006/relationships" xmlns:p="http://schemas.openxmlformats.org/presentationml/2006/main">
   <p:tag name="SHAPEID" val=" 6"/>
 </p:tagLst>
 </file>
 
-<file path=ppt/tags/tag118.xml><?xml version="1.0" encoding="utf-8"?>
+<file path=ppt/tags/tag117.xml><?xml version="1.0" encoding="utf-8"?>
 <p:tagLst xmlns:a="http://schemas.openxmlformats.org/drawingml/2006/main" xmlns:r="http://schemas.openxmlformats.org/officeDocument/2006/relationships" xmlns:p="http://schemas.openxmlformats.org/presentationml/2006/main">
   <p:tag name="SHAPEID" val=" 7"/>
 </p:tagLst>
 </file>
 
+<file path=ppt/tags/tag118.xml><?xml version="1.0" encoding="utf-8"?>
+<p:tagLst xmlns:a="http://schemas.openxmlformats.org/drawingml/2006/main" xmlns:r="http://schemas.openxmlformats.org/officeDocument/2006/relationships" xmlns:p="http://schemas.openxmlformats.org/presentationml/2006/main">
+  <p:tag name="SHAPEID" val=" 8"/>
+</p:tagLst>
+</file>
+
 <file path=ppt/tags/tag119.xml><?xml version="1.0" encoding="utf-8"?>
 <p:tagLst xmlns:a="http://schemas.openxmlformats.org/drawingml/2006/main" xmlns:r="http://schemas.openxmlformats.org/officeDocument/2006/relationships" xmlns:p="http://schemas.openxmlformats.org/presentationml/2006/main">
-  <p:tag name="SHAPEID" val=" 8"/>
+  <p:tag name="SHAPEID" val=" 240"/>
 </p:tagLst>
 </file>
 
@@ -33774,61 +33742,61 @@
 
 <file path=ppt/tags/tag120.xml><?xml version="1.0" encoding="utf-8"?>
 <p:tagLst xmlns:a="http://schemas.openxmlformats.org/drawingml/2006/main" xmlns:r="http://schemas.openxmlformats.org/officeDocument/2006/relationships" xmlns:p="http://schemas.openxmlformats.org/presentationml/2006/main">
+  <p:tag name="SHAPEID" val=" 241"/>
+</p:tagLst>
+</file>
+
+<file path=ppt/tags/tag121.xml><?xml version="1.0" encoding="utf-8"?>
+<p:tagLst xmlns:a="http://schemas.openxmlformats.org/drawingml/2006/main" xmlns:r="http://schemas.openxmlformats.org/officeDocument/2006/relationships" xmlns:p="http://schemas.openxmlformats.org/presentationml/2006/main">
+  <p:tag name="SHAPEID" val=" 242"/>
+</p:tagLst>
+</file>
+
+<file path=ppt/tags/tag122.xml><?xml version="1.0" encoding="utf-8"?>
+<p:tagLst xmlns:a="http://schemas.openxmlformats.org/drawingml/2006/main" xmlns:r="http://schemas.openxmlformats.org/officeDocument/2006/relationships" xmlns:p="http://schemas.openxmlformats.org/presentationml/2006/main">
+  <p:tag name="SHAPEID" val=" 243"/>
+</p:tagLst>
+</file>
+
+<file path=ppt/tags/tag123.xml><?xml version="1.0" encoding="utf-8"?>
+<p:tagLst xmlns:a="http://schemas.openxmlformats.org/drawingml/2006/main" xmlns:r="http://schemas.openxmlformats.org/officeDocument/2006/relationships" xmlns:p="http://schemas.openxmlformats.org/presentationml/2006/main">
+  <p:tag name="SHAPEID" val=" 2"/>
+</p:tagLst>
+</file>
+
+<file path=ppt/tags/tag124.xml><?xml version="1.0" encoding="utf-8"?>
+<p:tagLst xmlns:a="http://schemas.openxmlformats.org/drawingml/2006/main" xmlns:r="http://schemas.openxmlformats.org/officeDocument/2006/relationships" xmlns:p="http://schemas.openxmlformats.org/presentationml/2006/main">
   <p:tag name="SHAPEID" val=" 240"/>
 </p:tagLst>
 </file>
 
-<file path=ppt/tags/tag121.xml><?xml version="1.0" encoding="utf-8"?>
+<file path=ppt/tags/tag125.xml><?xml version="1.0" encoding="utf-8"?>
 <p:tagLst xmlns:a="http://schemas.openxmlformats.org/drawingml/2006/main" xmlns:r="http://schemas.openxmlformats.org/officeDocument/2006/relationships" xmlns:p="http://schemas.openxmlformats.org/presentationml/2006/main">
   <p:tag name="SHAPEID" val=" 241"/>
 </p:tagLst>
 </file>
 
-<file path=ppt/tags/tag122.xml><?xml version="1.0" encoding="utf-8"?>
+<file path=ppt/tags/tag126.xml><?xml version="1.0" encoding="utf-8"?>
 <p:tagLst xmlns:a="http://schemas.openxmlformats.org/drawingml/2006/main" xmlns:r="http://schemas.openxmlformats.org/officeDocument/2006/relationships" xmlns:p="http://schemas.openxmlformats.org/presentationml/2006/main">
   <p:tag name="SHAPEID" val=" 242"/>
 </p:tagLst>
 </file>
 
-<file path=ppt/tags/tag123.xml><?xml version="1.0" encoding="utf-8"?>
+<file path=ppt/tags/tag127.xml><?xml version="1.0" encoding="utf-8"?>
 <p:tagLst xmlns:a="http://schemas.openxmlformats.org/drawingml/2006/main" xmlns:r="http://schemas.openxmlformats.org/officeDocument/2006/relationships" xmlns:p="http://schemas.openxmlformats.org/presentationml/2006/main">
   <p:tag name="SHAPEID" val=" 243"/>
 </p:tagLst>
 </file>
 
-<file path=ppt/tags/tag124.xml><?xml version="1.0" encoding="utf-8"?>
+<file path=ppt/tags/tag128.xml><?xml version="1.0" encoding="utf-8"?>
 <p:tagLst xmlns:a="http://schemas.openxmlformats.org/drawingml/2006/main" xmlns:r="http://schemas.openxmlformats.org/officeDocument/2006/relationships" xmlns:p="http://schemas.openxmlformats.org/presentationml/2006/main">
   <p:tag name="SHAPEID" val=" 2"/>
 </p:tagLst>
 </file>
 
-<file path=ppt/tags/tag125.xml><?xml version="1.0" encoding="utf-8"?>
+<file path=ppt/tags/tag129.xml><?xml version="1.0" encoding="utf-8"?>
 <p:tagLst xmlns:a="http://schemas.openxmlformats.org/drawingml/2006/main" xmlns:r="http://schemas.openxmlformats.org/officeDocument/2006/relationships" xmlns:p="http://schemas.openxmlformats.org/presentationml/2006/main">
   <p:tag name="SHAPEID" val=" 240"/>
-</p:tagLst>
-</file>
-
-<file path=ppt/tags/tag126.xml><?xml version="1.0" encoding="utf-8"?>
-<p:tagLst xmlns:a="http://schemas.openxmlformats.org/drawingml/2006/main" xmlns:r="http://schemas.openxmlformats.org/officeDocument/2006/relationships" xmlns:p="http://schemas.openxmlformats.org/presentationml/2006/main">
-  <p:tag name="SHAPEID" val=" 241"/>
-</p:tagLst>
-</file>
-
-<file path=ppt/tags/tag127.xml><?xml version="1.0" encoding="utf-8"?>
-<p:tagLst xmlns:a="http://schemas.openxmlformats.org/drawingml/2006/main" xmlns:r="http://schemas.openxmlformats.org/officeDocument/2006/relationships" xmlns:p="http://schemas.openxmlformats.org/presentationml/2006/main">
-  <p:tag name="SHAPEID" val=" 242"/>
-</p:tagLst>
-</file>
-
-<file path=ppt/tags/tag128.xml><?xml version="1.0" encoding="utf-8"?>
-<p:tagLst xmlns:a="http://schemas.openxmlformats.org/drawingml/2006/main" xmlns:r="http://schemas.openxmlformats.org/officeDocument/2006/relationships" xmlns:p="http://schemas.openxmlformats.org/presentationml/2006/main">
-  <p:tag name="SHAPEID" val=" 243"/>
-</p:tagLst>
-</file>
-
-<file path=ppt/tags/tag129.xml><?xml version="1.0" encoding="utf-8"?>
-<p:tagLst xmlns:a="http://schemas.openxmlformats.org/drawingml/2006/main" xmlns:r="http://schemas.openxmlformats.org/officeDocument/2006/relationships" xmlns:p="http://schemas.openxmlformats.org/presentationml/2006/main">
-  <p:tag name="SHAPEID" val=" 2"/>
 </p:tagLst>
 </file>
 
@@ -33840,61 +33808,61 @@
 
 <file path=ppt/tags/tag130.xml><?xml version="1.0" encoding="utf-8"?>
 <p:tagLst xmlns:a="http://schemas.openxmlformats.org/drawingml/2006/main" xmlns:r="http://schemas.openxmlformats.org/officeDocument/2006/relationships" xmlns:p="http://schemas.openxmlformats.org/presentationml/2006/main">
+  <p:tag name="SHAPEID" val=" 241"/>
+</p:tagLst>
+</file>
+
+<file path=ppt/tags/tag131.xml><?xml version="1.0" encoding="utf-8"?>
+<p:tagLst xmlns:a="http://schemas.openxmlformats.org/drawingml/2006/main" xmlns:r="http://schemas.openxmlformats.org/officeDocument/2006/relationships" xmlns:p="http://schemas.openxmlformats.org/presentationml/2006/main">
+  <p:tag name="SHAPEID" val=" 242"/>
+</p:tagLst>
+</file>
+
+<file path=ppt/tags/tag132.xml><?xml version="1.0" encoding="utf-8"?>
+<p:tagLst xmlns:a="http://schemas.openxmlformats.org/drawingml/2006/main" xmlns:r="http://schemas.openxmlformats.org/officeDocument/2006/relationships" xmlns:p="http://schemas.openxmlformats.org/presentationml/2006/main">
+  <p:tag name="SHAPEID" val=" 243"/>
+</p:tagLst>
+</file>
+
+<file path=ppt/tags/tag133.xml><?xml version="1.0" encoding="utf-8"?>
+<p:tagLst xmlns:a="http://schemas.openxmlformats.org/drawingml/2006/main" xmlns:r="http://schemas.openxmlformats.org/officeDocument/2006/relationships" xmlns:p="http://schemas.openxmlformats.org/presentationml/2006/main">
   <p:tag name="SHAPEID" val=" 240"/>
 </p:tagLst>
 </file>
 
-<file path=ppt/tags/tag131.xml><?xml version="1.0" encoding="utf-8"?>
+<file path=ppt/tags/tag134.xml><?xml version="1.0" encoding="utf-8"?>
 <p:tagLst xmlns:a="http://schemas.openxmlformats.org/drawingml/2006/main" xmlns:r="http://schemas.openxmlformats.org/officeDocument/2006/relationships" xmlns:p="http://schemas.openxmlformats.org/presentationml/2006/main">
   <p:tag name="SHAPEID" val=" 241"/>
 </p:tagLst>
 </file>
 
-<file path=ppt/tags/tag132.xml><?xml version="1.0" encoding="utf-8"?>
+<file path=ppt/tags/tag135.xml><?xml version="1.0" encoding="utf-8"?>
 <p:tagLst xmlns:a="http://schemas.openxmlformats.org/drawingml/2006/main" xmlns:r="http://schemas.openxmlformats.org/officeDocument/2006/relationships" xmlns:p="http://schemas.openxmlformats.org/presentationml/2006/main">
   <p:tag name="SHAPEID" val=" 242"/>
 </p:tagLst>
 </file>
 
-<file path=ppt/tags/tag133.xml><?xml version="1.0" encoding="utf-8"?>
+<file path=ppt/tags/tag136.xml><?xml version="1.0" encoding="utf-8"?>
 <p:tagLst xmlns:a="http://schemas.openxmlformats.org/drawingml/2006/main" xmlns:r="http://schemas.openxmlformats.org/officeDocument/2006/relationships" xmlns:p="http://schemas.openxmlformats.org/presentationml/2006/main">
   <p:tag name="SHAPEID" val=" 243"/>
 </p:tagLst>
 </file>
 
-<file path=ppt/tags/tag134.xml><?xml version="1.0" encoding="utf-8"?>
+<file path=ppt/tags/tag137.xml><?xml version="1.0" encoding="utf-8"?>
+<p:tagLst xmlns:a="http://schemas.openxmlformats.org/drawingml/2006/main" xmlns:r="http://schemas.openxmlformats.org/officeDocument/2006/relationships" xmlns:p="http://schemas.openxmlformats.org/presentationml/2006/main">
+  <p:tag name="SHAPEID" val=" 5"/>
+</p:tagLst>
+</file>
+
+<file path=ppt/tags/tag138.xml><?xml version="1.0" encoding="utf-8"?>
 <p:tagLst xmlns:a="http://schemas.openxmlformats.org/drawingml/2006/main" xmlns:r="http://schemas.openxmlformats.org/officeDocument/2006/relationships" xmlns:p="http://schemas.openxmlformats.org/presentationml/2006/main">
   <p:tag name="SHAPEID" val=" 240"/>
 </p:tagLst>
 </file>
 
-<file path=ppt/tags/tag135.xml><?xml version="1.0" encoding="utf-8"?>
+<file path=ppt/tags/tag139.xml><?xml version="1.0" encoding="utf-8"?>
 <p:tagLst xmlns:a="http://schemas.openxmlformats.org/drawingml/2006/main" xmlns:r="http://schemas.openxmlformats.org/officeDocument/2006/relationships" xmlns:p="http://schemas.openxmlformats.org/presentationml/2006/main">
   <p:tag name="SHAPEID" val=" 241"/>
-</p:tagLst>
-</file>
-
-<file path=ppt/tags/tag136.xml><?xml version="1.0" encoding="utf-8"?>
-<p:tagLst xmlns:a="http://schemas.openxmlformats.org/drawingml/2006/main" xmlns:r="http://schemas.openxmlformats.org/officeDocument/2006/relationships" xmlns:p="http://schemas.openxmlformats.org/presentationml/2006/main">
-  <p:tag name="SHAPEID" val=" 242"/>
-</p:tagLst>
-</file>
-
-<file path=ppt/tags/tag137.xml><?xml version="1.0" encoding="utf-8"?>
-<p:tagLst xmlns:a="http://schemas.openxmlformats.org/drawingml/2006/main" xmlns:r="http://schemas.openxmlformats.org/officeDocument/2006/relationships" xmlns:p="http://schemas.openxmlformats.org/presentationml/2006/main">
-  <p:tag name="SHAPEID" val=" 243"/>
-</p:tagLst>
-</file>
-
-<file path=ppt/tags/tag138.xml><?xml version="1.0" encoding="utf-8"?>
-<p:tagLst xmlns:a="http://schemas.openxmlformats.org/drawingml/2006/main" xmlns:r="http://schemas.openxmlformats.org/officeDocument/2006/relationships" xmlns:p="http://schemas.openxmlformats.org/presentationml/2006/main">
-  <p:tag name="SHAPEID" val=" 5"/>
-</p:tagLst>
-</file>
-
-<file path=ppt/tags/tag139.xml><?xml version="1.0" encoding="utf-8"?>
-<p:tagLst xmlns:a="http://schemas.openxmlformats.org/drawingml/2006/main" xmlns:r="http://schemas.openxmlformats.org/officeDocument/2006/relationships" xmlns:p="http://schemas.openxmlformats.org/presentationml/2006/main">
-  <p:tag name="SHAPEID" val=" 240"/>
 </p:tagLst>
 </file>
 
@@ -33906,61 +33874,61 @@
 
 <file path=ppt/tags/tag140.xml><?xml version="1.0" encoding="utf-8"?>
 <p:tagLst xmlns:a="http://schemas.openxmlformats.org/drawingml/2006/main" xmlns:r="http://schemas.openxmlformats.org/officeDocument/2006/relationships" xmlns:p="http://schemas.openxmlformats.org/presentationml/2006/main">
+  <p:tag name="SHAPEID" val=" 242"/>
+</p:tagLst>
+</file>
+
+<file path=ppt/tags/tag141.xml><?xml version="1.0" encoding="utf-8"?>
+<p:tagLst xmlns:a="http://schemas.openxmlformats.org/drawingml/2006/main" xmlns:r="http://schemas.openxmlformats.org/officeDocument/2006/relationships" xmlns:p="http://schemas.openxmlformats.org/presentationml/2006/main">
+  <p:tag name="SHAPEID" val=" 243"/>
+</p:tagLst>
+</file>
+
+<file path=ppt/tags/tag142.xml><?xml version="1.0" encoding="utf-8"?>
+<p:tagLst xmlns:a="http://schemas.openxmlformats.org/drawingml/2006/main" xmlns:r="http://schemas.openxmlformats.org/officeDocument/2006/relationships" xmlns:p="http://schemas.openxmlformats.org/presentationml/2006/main">
+  <p:tag name="SHAPEID" val=" 5"/>
+</p:tagLst>
+</file>
+
+<file path=ppt/tags/tag143.xml><?xml version="1.0" encoding="utf-8"?>
+<p:tagLst xmlns:a="http://schemas.openxmlformats.org/drawingml/2006/main" xmlns:r="http://schemas.openxmlformats.org/officeDocument/2006/relationships" xmlns:p="http://schemas.openxmlformats.org/presentationml/2006/main">
+  <p:tag name="SHAPEID" val=" 7"/>
+</p:tagLst>
+</file>
+
+<file path=ppt/tags/tag144.xml><?xml version="1.0" encoding="utf-8"?>
+<p:tagLst xmlns:a="http://schemas.openxmlformats.org/drawingml/2006/main" xmlns:r="http://schemas.openxmlformats.org/officeDocument/2006/relationships" xmlns:p="http://schemas.openxmlformats.org/presentationml/2006/main">
+  <p:tag name="SHAPEID" val=" 240"/>
+</p:tagLst>
+</file>
+
+<file path=ppt/tags/tag145.xml><?xml version="1.0" encoding="utf-8"?>
+<p:tagLst xmlns:a="http://schemas.openxmlformats.org/drawingml/2006/main" xmlns:r="http://schemas.openxmlformats.org/officeDocument/2006/relationships" xmlns:p="http://schemas.openxmlformats.org/presentationml/2006/main">
   <p:tag name="SHAPEID" val=" 241"/>
 </p:tagLst>
 </file>
 
-<file path=ppt/tags/tag141.xml><?xml version="1.0" encoding="utf-8"?>
+<file path=ppt/tags/tag146.xml><?xml version="1.0" encoding="utf-8"?>
 <p:tagLst xmlns:a="http://schemas.openxmlformats.org/drawingml/2006/main" xmlns:r="http://schemas.openxmlformats.org/officeDocument/2006/relationships" xmlns:p="http://schemas.openxmlformats.org/presentationml/2006/main">
   <p:tag name="SHAPEID" val=" 242"/>
 </p:tagLst>
 </file>
 
-<file path=ppt/tags/tag142.xml><?xml version="1.0" encoding="utf-8"?>
+<file path=ppt/tags/tag147.xml><?xml version="1.0" encoding="utf-8"?>
 <p:tagLst xmlns:a="http://schemas.openxmlformats.org/drawingml/2006/main" xmlns:r="http://schemas.openxmlformats.org/officeDocument/2006/relationships" xmlns:p="http://schemas.openxmlformats.org/presentationml/2006/main">
   <p:tag name="SHAPEID" val=" 243"/>
 </p:tagLst>
 </file>
 
-<file path=ppt/tags/tag143.xml><?xml version="1.0" encoding="utf-8"?>
+<file path=ppt/tags/tag148.xml><?xml version="1.0" encoding="utf-8"?>
 <p:tagLst xmlns:a="http://schemas.openxmlformats.org/drawingml/2006/main" xmlns:r="http://schemas.openxmlformats.org/officeDocument/2006/relationships" xmlns:p="http://schemas.openxmlformats.org/presentationml/2006/main">
   <p:tag name="SHAPEID" val=" 5"/>
 </p:tagLst>
 </file>
 
-<file path=ppt/tags/tag144.xml><?xml version="1.0" encoding="utf-8"?>
+<file path=ppt/tags/tag149.xml><?xml version="1.0" encoding="utf-8"?>
 <p:tagLst xmlns:a="http://schemas.openxmlformats.org/drawingml/2006/main" xmlns:r="http://schemas.openxmlformats.org/officeDocument/2006/relationships" xmlns:p="http://schemas.openxmlformats.org/presentationml/2006/main">
   <p:tag name="SHAPEID" val=" 7"/>
-</p:tagLst>
-</file>
-
-<file path=ppt/tags/tag145.xml><?xml version="1.0" encoding="utf-8"?>
-<p:tagLst xmlns:a="http://schemas.openxmlformats.org/drawingml/2006/main" xmlns:r="http://schemas.openxmlformats.org/officeDocument/2006/relationships" xmlns:p="http://schemas.openxmlformats.org/presentationml/2006/main">
-  <p:tag name="SHAPEID" val=" 240"/>
-</p:tagLst>
-</file>
-
-<file path=ppt/tags/tag146.xml><?xml version="1.0" encoding="utf-8"?>
-<p:tagLst xmlns:a="http://schemas.openxmlformats.org/drawingml/2006/main" xmlns:r="http://schemas.openxmlformats.org/officeDocument/2006/relationships" xmlns:p="http://schemas.openxmlformats.org/presentationml/2006/main">
-  <p:tag name="SHAPEID" val=" 241"/>
-</p:tagLst>
-</file>
-
-<file path=ppt/tags/tag147.xml><?xml version="1.0" encoding="utf-8"?>
-<p:tagLst xmlns:a="http://schemas.openxmlformats.org/drawingml/2006/main" xmlns:r="http://schemas.openxmlformats.org/officeDocument/2006/relationships" xmlns:p="http://schemas.openxmlformats.org/presentationml/2006/main">
-  <p:tag name="SHAPEID" val=" 242"/>
-</p:tagLst>
-</file>
-
-<file path=ppt/tags/tag148.xml><?xml version="1.0" encoding="utf-8"?>
-<p:tagLst xmlns:a="http://schemas.openxmlformats.org/drawingml/2006/main" xmlns:r="http://schemas.openxmlformats.org/officeDocument/2006/relationships" xmlns:p="http://schemas.openxmlformats.org/presentationml/2006/main">
-  <p:tag name="SHAPEID" val=" 243"/>
-</p:tagLst>
-</file>
-
-<file path=ppt/tags/tag149.xml><?xml version="1.0" encoding="utf-8"?>
-<p:tagLst xmlns:a="http://schemas.openxmlformats.org/drawingml/2006/main" xmlns:r="http://schemas.openxmlformats.org/officeDocument/2006/relationships" xmlns:p="http://schemas.openxmlformats.org/presentationml/2006/main">
-  <p:tag name="SHAPEID" val=" 5"/>
 </p:tagLst>
 </file>
 
@@ -33972,61 +33940,61 @@
 
 <file path=ppt/tags/tag150.xml><?xml version="1.0" encoding="utf-8"?>
 <p:tagLst xmlns:a="http://schemas.openxmlformats.org/drawingml/2006/main" xmlns:r="http://schemas.openxmlformats.org/officeDocument/2006/relationships" xmlns:p="http://schemas.openxmlformats.org/presentationml/2006/main">
-  <p:tag name="SHAPEID" val=" 7"/>
-</p:tagLst>
-</file>
-
-<file path=ppt/tags/tag151.xml><?xml version="1.0" encoding="utf-8"?>
-<p:tagLst xmlns:a="http://schemas.openxmlformats.org/drawingml/2006/main" xmlns:r="http://schemas.openxmlformats.org/officeDocument/2006/relationships" xmlns:p="http://schemas.openxmlformats.org/presentationml/2006/main">
   <p:tag name="SHAPEID" val=" 8"/>
 </p:tagLst>
 </file>
 
-<file path=ppt/tags/tag152.xml><?xml version="1.0" encoding="utf-8"?>
+<file path=ppt/tags/tag151.xml><?xml version="1.0" encoding="utf-8"?>
 <p:tagLst xmlns:a="http://schemas.openxmlformats.org/drawingml/2006/main" xmlns:r="http://schemas.openxmlformats.org/officeDocument/2006/relationships" xmlns:p="http://schemas.openxmlformats.org/presentationml/2006/main">
   <p:tag name="SHAPEID" val=" 240"/>
 </p:tagLst>
 </file>
 
-<file path=ppt/tags/tag153.xml><?xml version="1.0" encoding="utf-8"?>
+<file path=ppt/tags/tag152.xml><?xml version="1.0" encoding="utf-8"?>
 <p:tagLst xmlns:a="http://schemas.openxmlformats.org/drawingml/2006/main" xmlns:r="http://schemas.openxmlformats.org/officeDocument/2006/relationships" xmlns:p="http://schemas.openxmlformats.org/presentationml/2006/main">
   <p:tag name="SHAPEID" val=" 241"/>
 </p:tagLst>
 </file>
 
-<file path=ppt/tags/tag154.xml><?xml version="1.0" encoding="utf-8"?>
+<file path=ppt/tags/tag153.xml><?xml version="1.0" encoding="utf-8"?>
 <p:tagLst xmlns:a="http://schemas.openxmlformats.org/drawingml/2006/main" xmlns:r="http://schemas.openxmlformats.org/officeDocument/2006/relationships" xmlns:p="http://schemas.openxmlformats.org/presentationml/2006/main">
   <p:tag name="SHAPEID" val=" 242"/>
 </p:tagLst>
 </file>
 
-<file path=ppt/tags/tag155.xml><?xml version="1.0" encoding="utf-8"?>
+<file path=ppt/tags/tag154.xml><?xml version="1.0" encoding="utf-8"?>
 <p:tagLst xmlns:a="http://schemas.openxmlformats.org/drawingml/2006/main" xmlns:r="http://schemas.openxmlformats.org/officeDocument/2006/relationships" xmlns:p="http://schemas.openxmlformats.org/presentationml/2006/main">
   <p:tag name="SHAPEID" val=" 243"/>
 </p:tagLst>
 </file>
 
-<file path=ppt/tags/tag156.xml><?xml version="1.0" encoding="utf-8"?>
+<file path=ppt/tags/tag155.xml><?xml version="1.0" encoding="utf-8"?>
 <p:tagLst xmlns:a="http://schemas.openxmlformats.org/drawingml/2006/main" xmlns:r="http://schemas.openxmlformats.org/officeDocument/2006/relationships" xmlns:p="http://schemas.openxmlformats.org/presentationml/2006/main">
   <p:tag name="SHAPEID" val=" 240"/>
 </p:tagLst>
 </file>
 
-<file path=ppt/tags/tag157.xml><?xml version="1.0" encoding="utf-8"?>
+<file path=ppt/tags/tag156.xml><?xml version="1.0" encoding="utf-8"?>
 <p:tagLst xmlns:a="http://schemas.openxmlformats.org/drawingml/2006/main" xmlns:r="http://schemas.openxmlformats.org/officeDocument/2006/relationships" xmlns:p="http://schemas.openxmlformats.org/presentationml/2006/main">
   <p:tag name="SHAPEID" val=" 241"/>
 </p:tagLst>
 </file>
 
-<file path=ppt/tags/tag158.xml><?xml version="1.0" encoding="utf-8"?>
+<file path=ppt/tags/tag157.xml><?xml version="1.0" encoding="utf-8"?>
 <p:tagLst xmlns:a="http://schemas.openxmlformats.org/drawingml/2006/main" xmlns:r="http://schemas.openxmlformats.org/officeDocument/2006/relationships" xmlns:p="http://schemas.openxmlformats.org/presentationml/2006/main">
   <p:tag name="SHAPEID" val=" 242"/>
 </p:tagLst>
 </file>
 
+<file path=ppt/tags/tag158.xml><?xml version="1.0" encoding="utf-8"?>
+<p:tagLst xmlns:a="http://schemas.openxmlformats.org/drawingml/2006/main" xmlns:r="http://schemas.openxmlformats.org/officeDocument/2006/relationships" xmlns:p="http://schemas.openxmlformats.org/presentationml/2006/main">
+  <p:tag name="SHAPEID" val=" 243"/>
+</p:tagLst>
+</file>
+
 <file path=ppt/tags/tag159.xml><?xml version="1.0" encoding="utf-8"?>
 <p:tagLst xmlns:a="http://schemas.openxmlformats.org/drawingml/2006/main" xmlns:r="http://schemas.openxmlformats.org/officeDocument/2006/relationships" xmlns:p="http://schemas.openxmlformats.org/presentationml/2006/main">
-  <p:tag name="SHAPEID" val=" 243"/>
+  <p:tag name="SHAPEID" val=" 240"/>
 </p:tagLst>
 </file>
 
@@ -34038,61 +34006,61 @@
 
 <file path=ppt/tags/tag160.xml><?xml version="1.0" encoding="utf-8"?>
 <p:tagLst xmlns:a="http://schemas.openxmlformats.org/drawingml/2006/main" xmlns:r="http://schemas.openxmlformats.org/officeDocument/2006/relationships" xmlns:p="http://schemas.openxmlformats.org/presentationml/2006/main">
-  <p:tag name="SHAPEID" val=" 240"/>
-</p:tagLst>
-</file>
-
-<file path=ppt/tags/tag161.xml><?xml version="1.0" encoding="utf-8"?>
-<p:tagLst xmlns:a="http://schemas.openxmlformats.org/drawingml/2006/main" xmlns:r="http://schemas.openxmlformats.org/officeDocument/2006/relationships" xmlns:p="http://schemas.openxmlformats.org/presentationml/2006/main">
   <p:tag name="SHAPEID" val=" 241"/>
 </p:tagLst>
 </file>
 
-<file path=ppt/tags/tag162.xml><?xml version="1.0" encoding="utf-8"?>
+<file path=ppt/tags/tag161.xml><?xml version="1.0" encoding="utf-8"?>
 <p:tagLst xmlns:a="http://schemas.openxmlformats.org/drawingml/2006/main" xmlns:r="http://schemas.openxmlformats.org/officeDocument/2006/relationships" xmlns:p="http://schemas.openxmlformats.org/presentationml/2006/main">
   <p:tag name="SHAPEID" val=" 242"/>
 </p:tagLst>
 </file>
 
-<file path=ppt/tags/tag163.xml><?xml version="1.0" encoding="utf-8"?>
+<file path=ppt/tags/tag162.xml><?xml version="1.0" encoding="utf-8"?>
 <p:tagLst xmlns:a="http://schemas.openxmlformats.org/drawingml/2006/main" xmlns:r="http://schemas.openxmlformats.org/officeDocument/2006/relationships" xmlns:p="http://schemas.openxmlformats.org/presentationml/2006/main">
   <p:tag name="SHAPEID" val=" 243"/>
 </p:tagLst>
 </file>
 
-<file path=ppt/tags/tag164.xml><?xml version="1.0" encoding="utf-8"?>
+<file path=ppt/tags/tag163.xml><?xml version="1.0" encoding="utf-8"?>
 <p:tagLst xmlns:a="http://schemas.openxmlformats.org/drawingml/2006/main" xmlns:r="http://schemas.openxmlformats.org/officeDocument/2006/relationships" xmlns:p="http://schemas.openxmlformats.org/presentationml/2006/main">
   <p:tag name="SHAPEID" val=" 2"/>
 </p:tagLst>
 </file>
 
-<file path=ppt/tags/tag165.xml><?xml version="1.0" encoding="utf-8"?>
+<file path=ppt/tags/tag164.xml><?xml version="1.0" encoding="utf-8"?>
 <p:tagLst xmlns:a="http://schemas.openxmlformats.org/drawingml/2006/main" xmlns:r="http://schemas.openxmlformats.org/officeDocument/2006/relationships" xmlns:p="http://schemas.openxmlformats.org/presentationml/2006/main">
   <p:tag name="SHAPEID" val=" 3"/>
 </p:tagLst>
 </file>
 
-<file path=ppt/tags/tag166.xml><?xml version="1.0" encoding="utf-8"?>
+<file path=ppt/tags/tag165.xml><?xml version="1.0" encoding="utf-8"?>
 <p:tagLst xmlns:a="http://schemas.openxmlformats.org/drawingml/2006/main" xmlns:r="http://schemas.openxmlformats.org/officeDocument/2006/relationships" xmlns:p="http://schemas.openxmlformats.org/presentationml/2006/main">
   <p:tag name="SHAPEID" val=" 4"/>
 </p:tagLst>
 </file>
 
-<file path=ppt/tags/tag167.xml><?xml version="1.0" encoding="utf-8"?>
+<file path=ppt/tags/tag166.xml><?xml version="1.0" encoding="utf-8"?>
 <p:tagLst xmlns:a="http://schemas.openxmlformats.org/drawingml/2006/main" xmlns:r="http://schemas.openxmlformats.org/officeDocument/2006/relationships" xmlns:p="http://schemas.openxmlformats.org/presentationml/2006/main">
   <p:tag name="SHAPEID" val=" 5"/>
 </p:tagLst>
 </file>
 
-<file path=ppt/tags/tag168.xml><?xml version="1.0" encoding="utf-8"?>
+<file path=ppt/tags/tag167.xml><?xml version="1.0" encoding="utf-8"?>
 <p:tagLst xmlns:a="http://schemas.openxmlformats.org/drawingml/2006/main" xmlns:r="http://schemas.openxmlformats.org/officeDocument/2006/relationships" xmlns:p="http://schemas.openxmlformats.org/presentationml/2006/main">
   <p:tag name="SHAPEID" val=" 6"/>
 </p:tagLst>
 </file>
 
+<file path=ppt/tags/tag168.xml><?xml version="1.0" encoding="utf-8"?>
+<p:tagLst xmlns:a="http://schemas.openxmlformats.org/drawingml/2006/main" xmlns:r="http://schemas.openxmlformats.org/officeDocument/2006/relationships" xmlns:p="http://schemas.openxmlformats.org/presentationml/2006/main">
+  <p:tag name="SHAPEID" val=" 7"/>
+</p:tagLst>
+</file>
+
 <file path=ppt/tags/tag169.xml><?xml version="1.0" encoding="utf-8"?>
 <p:tagLst xmlns:a="http://schemas.openxmlformats.org/drawingml/2006/main" xmlns:r="http://schemas.openxmlformats.org/officeDocument/2006/relationships" xmlns:p="http://schemas.openxmlformats.org/presentationml/2006/main">
-  <p:tag name="SHAPEID" val=" 7"/>
+  <p:tag name="SHAPEID" val=" 8"/>
 </p:tagLst>
 </file>
 
@@ -34104,61 +34072,61 @@
 
 <file path=ppt/tags/tag170.xml><?xml version="1.0" encoding="utf-8"?>
 <p:tagLst xmlns:a="http://schemas.openxmlformats.org/drawingml/2006/main" xmlns:r="http://schemas.openxmlformats.org/officeDocument/2006/relationships" xmlns:p="http://schemas.openxmlformats.org/presentationml/2006/main">
-  <p:tag name="SHAPEID" val=" 8"/>
-</p:tagLst>
-</file>
-
-<file path=ppt/tags/tag171.xml><?xml version="1.0" encoding="utf-8"?>
-<p:tagLst xmlns:a="http://schemas.openxmlformats.org/drawingml/2006/main" xmlns:r="http://schemas.openxmlformats.org/officeDocument/2006/relationships" xmlns:p="http://schemas.openxmlformats.org/presentationml/2006/main">
   <p:tag name="SHAPEID" val=" 10"/>
 </p:tagLst>
 </file>
 
-<file path=ppt/tags/tag172.xml><?xml version="1.0" encoding="utf-8"?>
+<file path=ppt/tags/tag171.xml><?xml version="1.0" encoding="utf-8"?>
 <p:tagLst xmlns:a="http://schemas.openxmlformats.org/drawingml/2006/main" xmlns:r="http://schemas.openxmlformats.org/officeDocument/2006/relationships" xmlns:p="http://schemas.openxmlformats.org/presentationml/2006/main">
   <p:tag name="SHAPEID" val=" 11"/>
 </p:tagLst>
 </file>
 
-<file path=ppt/tags/tag173.xml><?xml version="1.0" encoding="utf-8"?>
+<file path=ppt/tags/tag172.xml><?xml version="1.0" encoding="utf-8"?>
 <p:tagLst xmlns:a="http://schemas.openxmlformats.org/drawingml/2006/main" xmlns:r="http://schemas.openxmlformats.org/officeDocument/2006/relationships" xmlns:p="http://schemas.openxmlformats.org/presentationml/2006/main">
   <p:tag name="SHAPEID" val=" 12"/>
 </p:tagLst>
 </file>
 
-<file path=ppt/tags/tag174.xml><?xml version="1.0" encoding="utf-8"?>
+<file path=ppt/tags/tag173.xml><?xml version="1.0" encoding="utf-8"?>
 <p:tagLst xmlns:a="http://schemas.openxmlformats.org/drawingml/2006/main" xmlns:r="http://schemas.openxmlformats.org/officeDocument/2006/relationships" xmlns:p="http://schemas.openxmlformats.org/presentationml/2006/main">
   <p:tag name="SHAPEID" val=" 13"/>
 </p:tagLst>
 </file>
 
-<file path=ppt/tags/tag175.xml><?xml version="1.0" encoding="utf-8"?>
+<file path=ppt/tags/tag174.xml><?xml version="1.0" encoding="utf-8"?>
 <p:tagLst xmlns:a="http://schemas.openxmlformats.org/drawingml/2006/main" xmlns:r="http://schemas.openxmlformats.org/officeDocument/2006/relationships" xmlns:p="http://schemas.openxmlformats.org/presentationml/2006/main">
   <p:tag name="SHAPEID" val=" 14"/>
 </p:tagLst>
 </file>
 
-<file path=ppt/tags/tag176.xml><?xml version="1.0" encoding="utf-8"?>
+<file path=ppt/tags/tag175.xml><?xml version="1.0" encoding="utf-8"?>
 <p:tagLst xmlns:a="http://schemas.openxmlformats.org/drawingml/2006/main" xmlns:r="http://schemas.openxmlformats.org/officeDocument/2006/relationships" xmlns:p="http://schemas.openxmlformats.org/presentationml/2006/main">
   <p:tag name="SHAPEID" val=" 15"/>
 </p:tagLst>
 </file>
 
-<file path=ppt/tags/tag177.xml><?xml version="1.0" encoding="utf-8"?>
+<file path=ppt/tags/tag176.xml><?xml version="1.0" encoding="utf-8"?>
 <p:tagLst xmlns:a="http://schemas.openxmlformats.org/drawingml/2006/main" xmlns:r="http://schemas.openxmlformats.org/officeDocument/2006/relationships" xmlns:p="http://schemas.openxmlformats.org/presentationml/2006/main">
   <p:tag name="SHAPEID" val=" 16"/>
 </p:tagLst>
 </file>
 
-<file path=ppt/tags/tag178.xml><?xml version="1.0" encoding="utf-8"?>
+<file path=ppt/tags/tag177.xml><?xml version="1.0" encoding="utf-8"?>
 <p:tagLst xmlns:a="http://schemas.openxmlformats.org/drawingml/2006/main" xmlns:r="http://schemas.openxmlformats.org/officeDocument/2006/relationships" xmlns:p="http://schemas.openxmlformats.org/presentationml/2006/main">
   <p:tag name="SHAPEID" val=" 240"/>
 </p:tagLst>
 </file>
 
+<file path=ppt/tags/tag178.xml><?xml version="1.0" encoding="utf-8"?>
+<p:tagLst xmlns:a="http://schemas.openxmlformats.org/drawingml/2006/main" xmlns:r="http://schemas.openxmlformats.org/officeDocument/2006/relationships" xmlns:p="http://schemas.openxmlformats.org/presentationml/2006/main">
+  <p:tag name="SHAPEID" val=" 241"/>
+</p:tagLst>
+</file>
+
 <file path=ppt/tags/tag179.xml><?xml version="1.0" encoding="utf-8"?>
 <p:tagLst xmlns:a="http://schemas.openxmlformats.org/drawingml/2006/main" xmlns:r="http://schemas.openxmlformats.org/officeDocument/2006/relationships" xmlns:p="http://schemas.openxmlformats.org/presentationml/2006/main">
-  <p:tag name="SHAPEID" val=" 241"/>
+  <p:tag name="SHAPEID" val=" 242"/>
 </p:tagLst>
 </file>
 
@@ -34170,61 +34138,61 @@
 
 <file path=ppt/tags/tag180.xml><?xml version="1.0" encoding="utf-8"?>
 <p:tagLst xmlns:a="http://schemas.openxmlformats.org/drawingml/2006/main" xmlns:r="http://schemas.openxmlformats.org/officeDocument/2006/relationships" xmlns:p="http://schemas.openxmlformats.org/presentationml/2006/main">
-  <p:tag name="SHAPEID" val=" 242"/>
-</p:tagLst>
-</file>
-
-<file path=ppt/tags/tag181.xml><?xml version="1.0" encoding="utf-8"?>
-<p:tagLst xmlns:a="http://schemas.openxmlformats.org/drawingml/2006/main" xmlns:r="http://schemas.openxmlformats.org/officeDocument/2006/relationships" xmlns:p="http://schemas.openxmlformats.org/presentationml/2006/main">
   <p:tag name="SHAPEID" val=" 243"/>
 </p:tagLst>
 </file>
 
-<file path=ppt/tags/tag182.xml><?xml version="1.0" encoding="utf-8"?>
+<file path=ppt/tags/tag181.xml><?xml version="1.0" encoding="utf-8"?>
 <p:tagLst xmlns:a="http://schemas.openxmlformats.org/drawingml/2006/main" xmlns:r="http://schemas.openxmlformats.org/officeDocument/2006/relationships" xmlns:p="http://schemas.openxmlformats.org/presentationml/2006/main">
   <p:tag name="SHAPEID" val=" 2"/>
 </p:tagLst>
 </file>
 
-<file path=ppt/tags/tag183.xml><?xml version="1.0" encoding="utf-8"?>
+<file path=ppt/tags/tag182.xml><?xml version="1.0" encoding="utf-8"?>
 <p:tagLst xmlns:a="http://schemas.openxmlformats.org/drawingml/2006/main" xmlns:r="http://schemas.openxmlformats.org/officeDocument/2006/relationships" xmlns:p="http://schemas.openxmlformats.org/presentationml/2006/main">
   <p:tag name="SHAPEID" val=" 3"/>
 </p:tagLst>
 </file>
 
-<file path=ppt/tags/tag184.xml><?xml version="1.0" encoding="utf-8"?>
+<file path=ppt/tags/tag183.xml><?xml version="1.0" encoding="utf-8"?>
 <p:tagLst xmlns:a="http://schemas.openxmlformats.org/drawingml/2006/main" xmlns:r="http://schemas.openxmlformats.org/officeDocument/2006/relationships" xmlns:p="http://schemas.openxmlformats.org/presentationml/2006/main">
   <p:tag name="SHAPEID" val=" 4"/>
 </p:tagLst>
 </file>
 
-<file path=ppt/tags/tag185.xml><?xml version="1.0" encoding="utf-8"?>
+<file path=ppt/tags/tag184.xml><?xml version="1.0" encoding="utf-8"?>
 <p:tagLst xmlns:a="http://schemas.openxmlformats.org/drawingml/2006/main" xmlns:r="http://schemas.openxmlformats.org/officeDocument/2006/relationships" xmlns:p="http://schemas.openxmlformats.org/presentationml/2006/main">
   <p:tag name="SHAPEID" val=" 5"/>
 </p:tagLst>
 </file>
 
-<file path=ppt/tags/tag186.xml><?xml version="1.0" encoding="utf-8"?>
+<file path=ppt/tags/tag185.xml><?xml version="1.0" encoding="utf-8"?>
 <p:tagLst xmlns:a="http://schemas.openxmlformats.org/drawingml/2006/main" xmlns:r="http://schemas.openxmlformats.org/officeDocument/2006/relationships" xmlns:p="http://schemas.openxmlformats.org/presentationml/2006/main">
   <p:tag name="SHAPEID" val=" 6"/>
 </p:tagLst>
 </file>
 
-<file path=ppt/tags/tag187.xml><?xml version="1.0" encoding="utf-8"?>
+<file path=ppt/tags/tag186.xml><?xml version="1.0" encoding="utf-8"?>
 <p:tagLst xmlns:a="http://schemas.openxmlformats.org/drawingml/2006/main" xmlns:r="http://schemas.openxmlformats.org/officeDocument/2006/relationships" xmlns:p="http://schemas.openxmlformats.org/presentationml/2006/main">
   <p:tag name="SHAPEID" val=" 7"/>
 </p:tagLst>
 </file>
 
-<file path=ppt/tags/tag188.xml><?xml version="1.0" encoding="utf-8"?>
+<file path=ppt/tags/tag187.xml><?xml version="1.0" encoding="utf-8"?>
 <p:tagLst xmlns:a="http://schemas.openxmlformats.org/drawingml/2006/main" xmlns:r="http://schemas.openxmlformats.org/officeDocument/2006/relationships" xmlns:p="http://schemas.openxmlformats.org/presentationml/2006/main">
   <p:tag name="SHAPEID" val=" 8"/>
 </p:tagLst>
 </file>
 
+<file path=ppt/tags/tag188.xml><?xml version="1.0" encoding="utf-8"?>
+<p:tagLst xmlns:a="http://schemas.openxmlformats.org/drawingml/2006/main" xmlns:r="http://schemas.openxmlformats.org/officeDocument/2006/relationships" xmlns:p="http://schemas.openxmlformats.org/presentationml/2006/main">
+  <p:tag name="SHAPEID" val=" 10"/>
+</p:tagLst>
+</file>
+
 <file path=ppt/tags/tag189.xml><?xml version="1.0" encoding="utf-8"?>
 <p:tagLst xmlns:a="http://schemas.openxmlformats.org/drawingml/2006/main" xmlns:r="http://schemas.openxmlformats.org/officeDocument/2006/relationships" xmlns:p="http://schemas.openxmlformats.org/presentationml/2006/main">
-  <p:tag name="SHAPEID" val=" 10"/>
+  <p:tag name="SHAPEID" val=" 11"/>
 </p:tagLst>
 </file>
 
@@ -34236,61 +34204,61 @@
 
 <file path=ppt/tags/tag190.xml><?xml version="1.0" encoding="utf-8"?>
 <p:tagLst xmlns:a="http://schemas.openxmlformats.org/drawingml/2006/main" xmlns:r="http://schemas.openxmlformats.org/officeDocument/2006/relationships" xmlns:p="http://schemas.openxmlformats.org/presentationml/2006/main">
-  <p:tag name="SHAPEID" val=" 11"/>
-</p:tagLst>
-</file>
-
-<file path=ppt/tags/tag191.xml><?xml version="1.0" encoding="utf-8"?>
-<p:tagLst xmlns:a="http://schemas.openxmlformats.org/drawingml/2006/main" xmlns:r="http://schemas.openxmlformats.org/officeDocument/2006/relationships" xmlns:p="http://schemas.openxmlformats.org/presentationml/2006/main">
   <p:tag name="SHAPEID" val=" 12"/>
 </p:tagLst>
 </file>
 
-<file path=ppt/tags/tag192.xml><?xml version="1.0" encoding="utf-8"?>
+<file path=ppt/tags/tag191.xml><?xml version="1.0" encoding="utf-8"?>
 <p:tagLst xmlns:a="http://schemas.openxmlformats.org/drawingml/2006/main" xmlns:r="http://schemas.openxmlformats.org/officeDocument/2006/relationships" xmlns:p="http://schemas.openxmlformats.org/presentationml/2006/main">
   <p:tag name="SHAPEID" val=" 13"/>
 </p:tagLst>
 </file>
 
-<file path=ppt/tags/tag193.xml><?xml version="1.0" encoding="utf-8"?>
+<file path=ppt/tags/tag192.xml><?xml version="1.0" encoding="utf-8"?>
 <p:tagLst xmlns:a="http://schemas.openxmlformats.org/drawingml/2006/main" xmlns:r="http://schemas.openxmlformats.org/officeDocument/2006/relationships" xmlns:p="http://schemas.openxmlformats.org/presentationml/2006/main">
   <p:tag name="SHAPEID" val=" 14"/>
 </p:tagLst>
 </file>
 
-<file path=ppt/tags/tag194.xml><?xml version="1.0" encoding="utf-8"?>
+<file path=ppt/tags/tag193.xml><?xml version="1.0" encoding="utf-8"?>
 <p:tagLst xmlns:a="http://schemas.openxmlformats.org/drawingml/2006/main" xmlns:r="http://schemas.openxmlformats.org/officeDocument/2006/relationships" xmlns:p="http://schemas.openxmlformats.org/presentationml/2006/main">
   <p:tag name="SHAPEID" val=" 15"/>
 </p:tagLst>
 </file>
 
-<file path=ppt/tags/tag195.xml><?xml version="1.0" encoding="utf-8"?>
+<file path=ppt/tags/tag194.xml><?xml version="1.0" encoding="utf-8"?>
 <p:tagLst xmlns:a="http://schemas.openxmlformats.org/drawingml/2006/main" xmlns:r="http://schemas.openxmlformats.org/officeDocument/2006/relationships" xmlns:p="http://schemas.openxmlformats.org/presentationml/2006/main">
   <p:tag name="SHAPEID" val=" 16"/>
 </p:tagLst>
 </file>
 
-<file path=ppt/tags/tag196.xml><?xml version="1.0" encoding="utf-8"?>
+<file path=ppt/tags/tag195.xml><?xml version="1.0" encoding="utf-8"?>
 <p:tagLst xmlns:a="http://schemas.openxmlformats.org/drawingml/2006/main" xmlns:r="http://schemas.openxmlformats.org/officeDocument/2006/relationships" xmlns:p="http://schemas.openxmlformats.org/presentationml/2006/main">
   <p:tag name="SHAPEID" val=" 17"/>
 </p:tagLst>
 </file>
 
-<file path=ppt/tags/tag197.xml><?xml version="1.0" encoding="utf-8"?>
+<file path=ppt/tags/tag196.xml><?xml version="1.0" encoding="utf-8"?>
 <p:tagLst xmlns:a="http://schemas.openxmlformats.org/drawingml/2006/main" xmlns:r="http://schemas.openxmlformats.org/officeDocument/2006/relationships" xmlns:p="http://schemas.openxmlformats.org/presentationml/2006/main">
   <p:tag name="SHAPEID" val=" 19"/>
 </p:tagLst>
 </file>
 
-<file path=ppt/tags/tag198.xml><?xml version="1.0" encoding="utf-8"?>
+<file path=ppt/tags/tag197.xml><?xml version="1.0" encoding="utf-8"?>
 <p:tagLst xmlns:a="http://schemas.openxmlformats.org/drawingml/2006/main" xmlns:r="http://schemas.openxmlformats.org/officeDocument/2006/relationships" xmlns:p="http://schemas.openxmlformats.org/presentationml/2006/main">
   <p:tag name="SHAPEID" val=" 20"/>
 </p:tagLst>
 </file>
 
+<file path=ppt/tags/tag198.xml><?xml version="1.0" encoding="utf-8"?>
+<p:tagLst xmlns:a="http://schemas.openxmlformats.org/drawingml/2006/main" xmlns:r="http://schemas.openxmlformats.org/officeDocument/2006/relationships" xmlns:p="http://schemas.openxmlformats.org/presentationml/2006/main">
+  <p:tag name="SHAPEID" val=" 21"/>
+</p:tagLst>
+</file>
+
 <file path=ppt/tags/tag199.xml><?xml version="1.0" encoding="utf-8"?>
 <p:tagLst xmlns:a="http://schemas.openxmlformats.org/drawingml/2006/main" xmlns:r="http://schemas.openxmlformats.org/officeDocument/2006/relationships" xmlns:p="http://schemas.openxmlformats.org/presentationml/2006/main">
-  <p:tag name="SHAPEID" val=" 21"/>
+  <p:tag name="SHAPEID" val=" 22"/>
 </p:tagLst>
 </file>
 
@@ -34308,61 +34276,61 @@
 
 <file path=ppt/tags/tag200.xml><?xml version="1.0" encoding="utf-8"?>
 <p:tagLst xmlns:a="http://schemas.openxmlformats.org/drawingml/2006/main" xmlns:r="http://schemas.openxmlformats.org/officeDocument/2006/relationships" xmlns:p="http://schemas.openxmlformats.org/presentationml/2006/main">
-  <p:tag name="SHAPEID" val=" 22"/>
-</p:tagLst>
-</file>
-
-<file path=ppt/tags/tag201.xml><?xml version="1.0" encoding="utf-8"?>
-<p:tagLst xmlns:a="http://schemas.openxmlformats.org/drawingml/2006/main" xmlns:r="http://schemas.openxmlformats.org/officeDocument/2006/relationships" xmlns:p="http://schemas.openxmlformats.org/presentationml/2006/main">
   <p:tag name="SHAPEID" val=" 23"/>
 </p:tagLst>
 </file>
 
-<file path=ppt/tags/tag202.xml><?xml version="1.0" encoding="utf-8"?>
+<file path=ppt/tags/tag201.xml><?xml version="1.0" encoding="utf-8"?>
 <p:tagLst xmlns:a="http://schemas.openxmlformats.org/drawingml/2006/main" xmlns:r="http://schemas.openxmlformats.org/officeDocument/2006/relationships" xmlns:p="http://schemas.openxmlformats.org/presentationml/2006/main">
   <p:tag name="SHAPEID" val=" 24"/>
 </p:tagLst>
 </file>
 
-<file path=ppt/tags/tag203.xml><?xml version="1.0" encoding="utf-8"?>
+<file path=ppt/tags/tag202.xml><?xml version="1.0" encoding="utf-8"?>
 <p:tagLst xmlns:a="http://schemas.openxmlformats.org/drawingml/2006/main" xmlns:r="http://schemas.openxmlformats.org/officeDocument/2006/relationships" xmlns:p="http://schemas.openxmlformats.org/presentationml/2006/main">
   <p:tag name="SHAPEID" val=" 25"/>
 </p:tagLst>
 </file>
 
-<file path=ppt/tags/tag204.xml><?xml version="1.0" encoding="utf-8"?>
+<file path=ppt/tags/tag203.xml><?xml version="1.0" encoding="utf-8"?>
 <p:tagLst xmlns:a="http://schemas.openxmlformats.org/drawingml/2006/main" xmlns:r="http://schemas.openxmlformats.org/officeDocument/2006/relationships" xmlns:p="http://schemas.openxmlformats.org/presentationml/2006/main">
   <p:tag name="SHAPEID" val=" 26"/>
 </p:tagLst>
 </file>
 
-<file path=ppt/tags/tag205.xml><?xml version="1.0" encoding="utf-8"?>
+<file path=ppt/tags/tag204.xml><?xml version="1.0" encoding="utf-8"?>
 <p:tagLst xmlns:a="http://schemas.openxmlformats.org/drawingml/2006/main" xmlns:r="http://schemas.openxmlformats.org/officeDocument/2006/relationships" xmlns:p="http://schemas.openxmlformats.org/presentationml/2006/main">
   <p:tag name="SHAPEID" val=" 27"/>
 </p:tagLst>
 </file>
 
-<file path=ppt/tags/tag206.xml><?xml version="1.0" encoding="utf-8"?>
+<file path=ppt/tags/tag205.xml><?xml version="1.0" encoding="utf-8"?>
 <p:tagLst xmlns:a="http://schemas.openxmlformats.org/drawingml/2006/main" xmlns:r="http://schemas.openxmlformats.org/officeDocument/2006/relationships" xmlns:p="http://schemas.openxmlformats.org/presentationml/2006/main">
   <p:tag name="SHAPEID" val=" 28"/>
 </p:tagLst>
 </file>
 
-<file path=ppt/tags/tag207.xml><?xml version="1.0" encoding="utf-8"?>
+<file path=ppt/tags/tag206.xml><?xml version="1.0" encoding="utf-8"?>
 <p:tagLst xmlns:a="http://schemas.openxmlformats.org/drawingml/2006/main" xmlns:r="http://schemas.openxmlformats.org/officeDocument/2006/relationships" xmlns:p="http://schemas.openxmlformats.org/presentationml/2006/main">
   <p:tag name="SHAPEID" val=" 240"/>
 </p:tagLst>
 </file>
 
-<file path=ppt/tags/tag208.xml><?xml version="1.0" encoding="utf-8"?>
+<file path=ppt/tags/tag207.xml><?xml version="1.0" encoding="utf-8"?>
 <p:tagLst xmlns:a="http://schemas.openxmlformats.org/drawingml/2006/main" xmlns:r="http://schemas.openxmlformats.org/officeDocument/2006/relationships" xmlns:p="http://schemas.openxmlformats.org/presentationml/2006/main">
   <p:tag name="SHAPEID" val=" 241"/>
 </p:tagLst>
 </file>
 
+<file path=ppt/tags/tag208.xml><?xml version="1.0" encoding="utf-8"?>
+<p:tagLst xmlns:a="http://schemas.openxmlformats.org/drawingml/2006/main" xmlns:r="http://schemas.openxmlformats.org/officeDocument/2006/relationships" xmlns:p="http://schemas.openxmlformats.org/presentationml/2006/main">
+  <p:tag name="SHAPEID" val=" 242"/>
+</p:tagLst>
+</file>
+
 <file path=ppt/tags/tag209.xml><?xml version="1.0" encoding="utf-8"?>
 <p:tagLst xmlns:a="http://schemas.openxmlformats.org/drawingml/2006/main" xmlns:r="http://schemas.openxmlformats.org/officeDocument/2006/relationships" xmlns:p="http://schemas.openxmlformats.org/presentationml/2006/main">
-  <p:tag name="SHAPEID" val=" 242"/>
+  <p:tag name="SHAPEID" val=" 243"/>
 </p:tagLst>
 </file>
 
@@ -34374,61 +34342,61 @@
 
 <file path=ppt/tags/tag210.xml><?xml version="1.0" encoding="utf-8"?>
 <p:tagLst xmlns:a="http://schemas.openxmlformats.org/drawingml/2006/main" xmlns:r="http://schemas.openxmlformats.org/officeDocument/2006/relationships" xmlns:p="http://schemas.openxmlformats.org/presentationml/2006/main">
-  <p:tag name="SHAPEID" val=" 243"/>
-</p:tagLst>
-</file>
-
-<file path=ppt/tags/tag211.xml><?xml version="1.0" encoding="utf-8"?>
-<p:tagLst xmlns:a="http://schemas.openxmlformats.org/drawingml/2006/main" xmlns:r="http://schemas.openxmlformats.org/officeDocument/2006/relationships" xmlns:p="http://schemas.openxmlformats.org/presentationml/2006/main">
   <p:tag name="SHAPEID" val=" 2"/>
 </p:tagLst>
 </file>
 
-<file path=ppt/tags/tag212.xml><?xml version="1.0" encoding="utf-8"?>
+<file path=ppt/tags/tag211.xml><?xml version="1.0" encoding="utf-8"?>
 <p:tagLst xmlns:a="http://schemas.openxmlformats.org/drawingml/2006/main" xmlns:r="http://schemas.openxmlformats.org/officeDocument/2006/relationships" xmlns:p="http://schemas.openxmlformats.org/presentationml/2006/main">
   <p:tag name="SHAPEID" val=" 3"/>
 </p:tagLst>
 </file>
 
-<file path=ppt/tags/tag213.xml><?xml version="1.0" encoding="utf-8"?>
+<file path=ppt/tags/tag212.xml><?xml version="1.0" encoding="utf-8"?>
 <p:tagLst xmlns:a="http://schemas.openxmlformats.org/drawingml/2006/main" xmlns:r="http://schemas.openxmlformats.org/officeDocument/2006/relationships" xmlns:p="http://schemas.openxmlformats.org/presentationml/2006/main">
   <p:tag name="SHAPEID" val=" 4"/>
 </p:tagLst>
 </file>
 
-<file path=ppt/tags/tag214.xml><?xml version="1.0" encoding="utf-8"?>
+<file path=ppt/tags/tag213.xml><?xml version="1.0" encoding="utf-8"?>
 <p:tagLst xmlns:a="http://schemas.openxmlformats.org/drawingml/2006/main" xmlns:r="http://schemas.openxmlformats.org/officeDocument/2006/relationships" xmlns:p="http://schemas.openxmlformats.org/presentationml/2006/main">
   <p:tag name="SHAPEID" val=" 5"/>
 </p:tagLst>
 </file>
 
-<file path=ppt/tags/tag215.xml><?xml version="1.0" encoding="utf-8"?>
+<file path=ppt/tags/tag214.xml><?xml version="1.0" encoding="utf-8"?>
 <p:tagLst xmlns:a="http://schemas.openxmlformats.org/drawingml/2006/main" xmlns:r="http://schemas.openxmlformats.org/officeDocument/2006/relationships" xmlns:p="http://schemas.openxmlformats.org/presentationml/2006/main">
   <p:tag name="SHAPEID" val=" 6"/>
 </p:tagLst>
 </file>
 
-<file path=ppt/tags/tag216.xml><?xml version="1.0" encoding="utf-8"?>
+<file path=ppt/tags/tag215.xml><?xml version="1.0" encoding="utf-8"?>
 <p:tagLst xmlns:a="http://schemas.openxmlformats.org/drawingml/2006/main" xmlns:r="http://schemas.openxmlformats.org/officeDocument/2006/relationships" xmlns:p="http://schemas.openxmlformats.org/presentationml/2006/main">
   <p:tag name="SHAPEID" val=" 7"/>
 </p:tagLst>
 </file>
 
-<file path=ppt/tags/tag217.xml><?xml version="1.0" encoding="utf-8"?>
+<file path=ppt/tags/tag216.xml><?xml version="1.0" encoding="utf-8"?>
 <p:tagLst xmlns:a="http://schemas.openxmlformats.org/drawingml/2006/main" xmlns:r="http://schemas.openxmlformats.org/officeDocument/2006/relationships" xmlns:p="http://schemas.openxmlformats.org/presentationml/2006/main">
   <p:tag name="SHAPEID" val=" 8"/>
 </p:tagLst>
 </file>
 
-<file path=ppt/tags/tag218.xml><?xml version="1.0" encoding="utf-8"?>
+<file path=ppt/tags/tag217.xml><?xml version="1.0" encoding="utf-8"?>
 <p:tagLst xmlns:a="http://schemas.openxmlformats.org/drawingml/2006/main" xmlns:r="http://schemas.openxmlformats.org/officeDocument/2006/relationships" xmlns:p="http://schemas.openxmlformats.org/presentationml/2006/main">
   <p:tag name="SHAPEID" val=" 10"/>
 </p:tagLst>
 </file>
 
+<file path=ppt/tags/tag218.xml><?xml version="1.0" encoding="utf-8"?>
+<p:tagLst xmlns:a="http://schemas.openxmlformats.org/drawingml/2006/main" xmlns:r="http://schemas.openxmlformats.org/officeDocument/2006/relationships" xmlns:p="http://schemas.openxmlformats.org/presentationml/2006/main">
+  <p:tag name="SHAPEID" val=" 11"/>
+</p:tagLst>
+</file>
+
 <file path=ppt/tags/tag219.xml><?xml version="1.0" encoding="utf-8"?>
 <p:tagLst xmlns:a="http://schemas.openxmlformats.org/drawingml/2006/main" xmlns:r="http://schemas.openxmlformats.org/officeDocument/2006/relationships" xmlns:p="http://schemas.openxmlformats.org/presentationml/2006/main">
-  <p:tag name="SHAPEID" val=" 11"/>
+  <p:tag name="SHAPEID" val=" 12"/>
 </p:tagLst>
 </file>
 
@@ -34440,61 +34408,61 @@
 
 <file path=ppt/tags/tag220.xml><?xml version="1.0" encoding="utf-8"?>
 <p:tagLst xmlns:a="http://schemas.openxmlformats.org/drawingml/2006/main" xmlns:r="http://schemas.openxmlformats.org/officeDocument/2006/relationships" xmlns:p="http://schemas.openxmlformats.org/presentationml/2006/main">
-  <p:tag name="SHAPEID" val=" 12"/>
-</p:tagLst>
-</file>
-
-<file path=ppt/tags/tag221.xml><?xml version="1.0" encoding="utf-8"?>
-<p:tagLst xmlns:a="http://schemas.openxmlformats.org/drawingml/2006/main" xmlns:r="http://schemas.openxmlformats.org/officeDocument/2006/relationships" xmlns:p="http://schemas.openxmlformats.org/presentationml/2006/main">
   <p:tag name="SHAPEID" val=" 13"/>
 </p:tagLst>
 </file>
 
-<file path=ppt/tags/tag222.xml><?xml version="1.0" encoding="utf-8"?>
+<file path=ppt/tags/tag221.xml><?xml version="1.0" encoding="utf-8"?>
 <p:tagLst xmlns:a="http://schemas.openxmlformats.org/drawingml/2006/main" xmlns:r="http://schemas.openxmlformats.org/officeDocument/2006/relationships" xmlns:p="http://schemas.openxmlformats.org/presentationml/2006/main">
   <p:tag name="SHAPEID" val=" 14"/>
 </p:tagLst>
 </file>
 
-<file path=ppt/tags/tag223.xml><?xml version="1.0" encoding="utf-8"?>
+<file path=ppt/tags/tag222.xml><?xml version="1.0" encoding="utf-8"?>
 <p:tagLst xmlns:a="http://schemas.openxmlformats.org/drawingml/2006/main" xmlns:r="http://schemas.openxmlformats.org/officeDocument/2006/relationships" xmlns:p="http://schemas.openxmlformats.org/presentationml/2006/main">
   <p:tag name="SHAPEID" val=" 15"/>
 </p:tagLst>
 </file>
 
-<file path=ppt/tags/tag224.xml><?xml version="1.0" encoding="utf-8"?>
+<file path=ppt/tags/tag223.xml><?xml version="1.0" encoding="utf-8"?>
 <p:tagLst xmlns:a="http://schemas.openxmlformats.org/drawingml/2006/main" xmlns:r="http://schemas.openxmlformats.org/officeDocument/2006/relationships" xmlns:p="http://schemas.openxmlformats.org/presentationml/2006/main">
   <p:tag name="SHAPEID" val=" 16"/>
 </p:tagLst>
 </file>
 
-<file path=ppt/tags/tag225.xml><?xml version="1.0" encoding="utf-8"?>
+<file path=ppt/tags/tag224.xml><?xml version="1.0" encoding="utf-8"?>
 <p:tagLst xmlns:a="http://schemas.openxmlformats.org/drawingml/2006/main" xmlns:r="http://schemas.openxmlformats.org/officeDocument/2006/relationships" xmlns:p="http://schemas.openxmlformats.org/presentationml/2006/main">
   <p:tag name="SHAPEID" val=" 17"/>
 </p:tagLst>
 </file>
 
-<file path=ppt/tags/tag226.xml><?xml version="1.0" encoding="utf-8"?>
+<file path=ppt/tags/tag225.xml><?xml version="1.0" encoding="utf-8"?>
 <p:tagLst xmlns:a="http://schemas.openxmlformats.org/drawingml/2006/main" xmlns:r="http://schemas.openxmlformats.org/officeDocument/2006/relationships" xmlns:p="http://schemas.openxmlformats.org/presentationml/2006/main">
   <p:tag name="SHAPEID" val=" 19"/>
 </p:tagLst>
 </file>
 
-<file path=ppt/tags/tag227.xml><?xml version="1.0" encoding="utf-8"?>
+<file path=ppt/tags/tag226.xml><?xml version="1.0" encoding="utf-8"?>
 <p:tagLst xmlns:a="http://schemas.openxmlformats.org/drawingml/2006/main" xmlns:r="http://schemas.openxmlformats.org/officeDocument/2006/relationships" xmlns:p="http://schemas.openxmlformats.org/presentationml/2006/main">
   <p:tag name="SHAPEID" val=" 20"/>
 </p:tagLst>
 </file>
 
-<file path=ppt/tags/tag228.xml><?xml version="1.0" encoding="utf-8"?>
+<file path=ppt/tags/tag227.xml><?xml version="1.0" encoding="utf-8"?>
 <p:tagLst xmlns:a="http://schemas.openxmlformats.org/drawingml/2006/main" xmlns:r="http://schemas.openxmlformats.org/officeDocument/2006/relationships" xmlns:p="http://schemas.openxmlformats.org/presentationml/2006/main">
   <p:tag name="SHAPEID" val=" 21"/>
 </p:tagLst>
 </file>
 
+<file path=ppt/tags/tag228.xml><?xml version="1.0" encoding="utf-8"?>
+<p:tagLst xmlns:a="http://schemas.openxmlformats.org/drawingml/2006/main" xmlns:r="http://schemas.openxmlformats.org/officeDocument/2006/relationships" xmlns:p="http://schemas.openxmlformats.org/presentationml/2006/main">
+  <p:tag name="SHAPEID" val=" 22"/>
+</p:tagLst>
+</file>
+
 <file path=ppt/tags/tag229.xml><?xml version="1.0" encoding="utf-8"?>
 <p:tagLst xmlns:a="http://schemas.openxmlformats.org/drawingml/2006/main" xmlns:r="http://schemas.openxmlformats.org/officeDocument/2006/relationships" xmlns:p="http://schemas.openxmlformats.org/presentationml/2006/main">
-  <p:tag name="SHAPEID" val=" 22"/>
+  <p:tag name="SHAPEID" val=" 23"/>
 </p:tagLst>
 </file>
 
@@ -34506,61 +34474,61 @@
 
 <file path=ppt/tags/tag230.xml><?xml version="1.0" encoding="utf-8"?>
 <p:tagLst xmlns:a="http://schemas.openxmlformats.org/drawingml/2006/main" xmlns:r="http://schemas.openxmlformats.org/officeDocument/2006/relationships" xmlns:p="http://schemas.openxmlformats.org/presentationml/2006/main">
-  <p:tag name="SHAPEID" val=" 23"/>
-</p:tagLst>
-</file>
-
-<file path=ppt/tags/tag231.xml><?xml version="1.0" encoding="utf-8"?>
-<p:tagLst xmlns:a="http://schemas.openxmlformats.org/drawingml/2006/main" xmlns:r="http://schemas.openxmlformats.org/officeDocument/2006/relationships" xmlns:p="http://schemas.openxmlformats.org/presentationml/2006/main">
   <p:tag name="SHAPEID" val=" 24"/>
 </p:tagLst>
 </file>
 
-<file path=ppt/tags/tag232.xml><?xml version="1.0" encoding="utf-8"?>
+<file path=ppt/tags/tag231.xml><?xml version="1.0" encoding="utf-8"?>
 <p:tagLst xmlns:a="http://schemas.openxmlformats.org/drawingml/2006/main" xmlns:r="http://schemas.openxmlformats.org/officeDocument/2006/relationships" xmlns:p="http://schemas.openxmlformats.org/presentationml/2006/main">
   <p:tag name="SHAPEID" val=" 25"/>
 </p:tagLst>
 </file>
 
-<file path=ppt/tags/tag233.xml><?xml version="1.0" encoding="utf-8"?>
+<file path=ppt/tags/tag232.xml><?xml version="1.0" encoding="utf-8"?>
 <p:tagLst xmlns:a="http://schemas.openxmlformats.org/drawingml/2006/main" xmlns:r="http://schemas.openxmlformats.org/officeDocument/2006/relationships" xmlns:p="http://schemas.openxmlformats.org/presentationml/2006/main">
   <p:tag name="SHAPEID" val=" 26"/>
 </p:tagLst>
 </file>
 
-<file path=ppt/tags/tag234.xml><?xml version="1.0" encoding="utf-8"?>
+<file path=ppt/tags/tag233.xml><?xml version="1.0" encoding="utf-8"?>
 <p:tagLst xmlns:a="http://schemas.openxmlformats.org/drawingml/2006/main" xmlns:r="http://schemas.openxmlformats.org/officeDocument/2006/relationships" xmlns:p="http://schemas.openxmlformats.org/presentationml/2006/main">
   <p:tag name="SHAPEID" val=" 27"/>
 </p:tagLst>
 </file>
 
-<file path=ppt/tags/tag235.xml><?xml version="1.0" encoding="utf-8"?>
+<file path=ppt/tags/tag234.xml><?xml version="1.0" encoding="utf-8"?>
 <p:tagLst xmlns:a="http://schemas.openxmlformats.org/drawingml/2006/main" xmlns:r="http://schemas.openxmlformats.org/officeDocument/2006/relationships" xmlns:p="http://schemas.openxmlformats.org/presentationml/2006/main">
   <p:tag name="SHAPEID" val=" 28"/>
 </p:tagLst>
 </file>
 
-<file path=ppt/tags/tag236.xml><?xml version="1.0" encoding="utf-8"?>
+<file path=ppt/tags/tag235.xml><?xml version="1.0" encoding="utf-8"?>
 <p:tagLst xmlns:a="http://schemas.openxmlformats.org/drawingml/2006/main" xmlns:r="http://schemas.openxmlformats.org/officeDocument/2006/relationships" xmlns:p="http://schemas.openxmlformats.org/presentationml/2006/main">
   <p:tag name="SHAPEID" val=" 29"/>
 </p:tagLst>
 </file>
 
-<file path=ppt/tags/tag237.xml><?xml version="1.0" encoding="utf-8"?>
+<file path=ppt/tags/tag236.xml><?xml version="1.0" encoding="utf-8"?>
 <p:tagLst xmlns:a="http://schemas.openxmlformats.org/drawingml/2006/main" xmlns:r="http://schemas.openxmlformats.org/officeDocument/2006/relationships" xmlns:p="http://schemas.openxmlformats.org/presentationml/2006/main">
   <p:tag name="SHAPEID" val=" 30"/>
 </p:tagLst>
 </file>
 
-<file path=ppt/tags/tag238.xml><?xml version="1.0" encoding="utf-8"?>
+<file path=ppt/tags/tag237.xml><?xml version="1.0" encoding="utf-8"?>
 <p:tagLst xmlns:a="http://schemas.openxmlformats.org/drawingml/2006/main" xmlns:r="http://schemas.openxmlformats.org/officeDocument/2006/relationships" xmlns:p="http://schemas.openxmlformats.org/presentationml/2006/main">
   <p:tag name="SHAPEID" val=" 31"/>
 </p:tagLst>
 </file>
 
+<file path=ppt/tags/tag238.xml><?xml version="1.0" encoding="utf-8"?>
+<p:tagLst xmlns:a="http://schemas.openxmlformats.org/drawingml/2006/main" xmlns:r="http://schemas.openxmlformats.org/officeDocument/2006/relationships" xmlns:p="http://schemas.openxmlformats.org/presentationml/2006/main">
+  <p:tag name="SHAPEID" val=" 34"/>
+</p:tagLst>
+</file>
+
 <file path=ppt/tags/tag239.xml><?xml version="1.0" encoding="utf-8"?>
 <p:tagLst xmlns:a="http://schemas.openxmlformats.org/drawingml/2006/main" xmlns:r="http://schemas.openxmlformats.org/officeDocument/2006/relationships" xmlns:p="http://schemas.openxmlformats.org/presentationml/2006/main">
-  <p:tag name="SHAPEID" val=" 34"/>
+  <p:tag name="SHAPEID" val=" 35"/>
 </p:tagLst>
 </file>
 
@@ -34572,61 +34540,61 @@
 
 <file path=ppt/tags/tag240.xml><?xml version="1.0" encoding="utf-8"?>
 <p:tagLst xmlns:a="http://schemas.openxmlformats.org/drawingml/2006/main" xmlns:r="http://schemas.openxmlformats.org/officeDocument/2006/relationships" xmlns:p="http://schemas.openxmlformats.org/presentationml/2006/main">
-  <p:tag name="SHAPEID" val=" 35"/>
-</p:tagLst>
-</file>
-
-<file path=ppt/tags/tag241.xml><?xml version="1.0" encoding="utf-8"?>
-<p:tagLst xmlns:a="http://schemas.openxmlformats.org/drawingml/2006/main" xmlns:r="http://schemas.openxmlformats.org/officeDocument/2006/relationships" xmlns:p="http://schemas.openxmlformats.org/presentationml/2006/main">
   <p:tag name="SHAPEID" val=" 36"/>
 </p:tagLst>
 </file>
 
-<file path=ppt/tags/tag242.xml><?xml version="1.0" encoding="utf-8"?>
+<file path=ppt/tags/tag241.xml><?xml version="1.0" encoding="utf-8"?>
 <p:tagLst xmlns:a="http://schemas.openxmlformats.org/drawingml/2006/main" xmlns:r="http://schemas.openxmlformats.org/officeDocument/2006/relationships" xmlns:p="http://schemas.openxmlformats.org/presentationml/2006/main">
   <p:tag name="SHAPEID" val=" 37"/>
 </p:tagLst>
 </file>
 
-<file path=ppt/tags/tag243.xml><?xml version="1.0" encoding="utf-8"?>
+<file path=ppt/tags/tag242.xml><?xml version="1.0" encoding="utf-8"?>
 <p:tagLst xmlns:a="http://schemas.openxmlformats.org/drawingml/2006/main" xmlns:r="http://schemas.openxmlformats.org/officeDocument/2006/relationships" xmlns:p="http://schemas.openxmlformats.org/presentationml/2006/main">
   <p:tag name="SHAPEID" val=" 240"/>
 </p:tagLst>
 </file>
 
-<file path=ppt/tags/tag244.xml><?xml version="1.0" encoding="utf-8"?>
+<file path=ppt/tags/tag243.xml><?xml version="1.0" encoding="utf-8"?>
 <p:tagLst xmlns:a="http://schemas.openxmlformats.org/drawingml/2006/main" xmlns:r="http://schemas.openxmlformats.org/officeDocument/2006/relationships" xmlns:p="http://schemas.openxmlformats.org/presentationml/2006/main">
   <p:tag name="SHAPEID" val=" 241"/>
 </p:tagLst>
 </file>
 
-<file path=ppt/tags/tag245.xml><?xml version="1.0" encoding="utf-8"?>
+<file path=ppt/tags/tag244.xml><?xml version="1.0" encoding="utf-8"?>
 <p:tagLst xmlns:a="http://schemas.openxmlformats.org/drawingml/2006/main" xmlns:r="http://schemas.openxmlformats.org/officeDocument/2006/relationships" xmlns:p="http://schemas.openxmlformats.org/presentationml/2006/main">
   <p:tag name="SHAPEID" val=" 242"/>
 </p:tagLst>
 </file>
 
-<file path=ppt/tags/tag246.xml><?xml version="1.0" encoding="utf-8"?>
+<file path=ppt/tags/tag245.xml><?xml version="1.0" encoding="utf-8"?>
 <p:tagLst xmlns:a="http://schemas.openxmlformats.org/drawingml/2006/main" xmlns:r="http://schemas.openxmlformats.org/officeDocument/2006/relationships" xmlns:p="http://schemas.openxmlformats.org/presentationml/2006/main">
   <p:tag name="SHAPEID" val=" 243"/>
 </p:tagLst>
 </file>
 
-<file path=ppt/tags/tag247.xml><?xml version="1.0" encoding="utf-8"?>
+<file path=ppt/tags/tag246.xml><?xml version="1.0" encoding="utf-8"?>
 <p:tagLst xmlns:a="http://schemas.openxmlformats.org/drawingml/2006/main" xmlns:r="http://schemas.openxmlformats.org/officeDocument/2006/relationships" xmlns:p="http://schemas.openxmlformats.org/presentationml/2006/main">
   <p:tag name="SHAPEID" val=" 240"/>
 </p:tagLst>
 </file>
 
-<file path=ppt/tags/tag248.xml><?xml version="1.0" encoding="utf-8"?>
+<file path=ppt/tags/tag247.xml><?xml version="1.0" encoding="utf-8"?>
 <p:tagLst xmlns:a="http://schemas.openxmlformats.org/drawingml/2006/main" xmlns:r="http://schemas.openxmlformats.org/officeDocument/2006/relationships" xmlns:p="http://schemas.openxmlformats.org/presentationml/2006/main">
   <p:tag name="SHAPEID" val=" 241"/>
 </p:tagLst>
 </file>
 
+<file path=ppt/tags/tag248.xml><?xml version="1.0" encoding="utf-8"?>
+<p:tagLst xmlns:a="http://schemas.openxmlformats.org/drawingml/2006/main" xmlns:r="http://schemas.openxmlformats.org/officeDocument/2006/relationships" xmlns:p="http://schemas.openxmlformats.org/presentationml/2006/main">
+  <p:tag name="SHAPEID" val=" 242"/>
+</p:tagLst>
+</file>
+
 <file path=ppt/tags/tag249.xml><?xml version="1.0" encoding="utf-8"?>
 <p:tagLst xmlns:a="http://schemas.openxmlformats.org/drawingml/2006/main" xmlns:r="http://schemas.openxmlformats.org/officeDocument/2006/relationships" xmlns:p="http://schemas.openxmlformats.org/presentationml/2006/main">
-  <p:tag name="SHAPEID" val=" 242"/>
+  <p:tag name="SHAPEID" val=" 243"/>
 </p:tagLst>
 </file>
 
@@ -34638,61 +34606,61 @@
 
 <file path=ppt/tags/tag250.xml><?xml version="1.0" encoding="utf-8"?>
 <p:tagLst xmlns:a="http://schemas.openxmlformats.org/drawingml/2006/main" xmlns:r="http://schemas.openxmlformats.org/officeDocument/2006/relationships" xmlns:p="http://schemas.openxmlformats.org/presentationml/2006/main">
+  <p:tag name="SHAPEID" val=" 3"/>
+</p:tagLst>
+</file>
+
+<file path=ppt/tags/tag251.xml><?xml version="1.0" encoding="utf-8"?>
+<p:tagLst xmlns:a="http://schemas.openxmlformats.org/drawingml/2006/main" xmlns:r="http://schemas.openxmlformats.org/officeDocument/2006/relationships" xmlns:p="http://schemas.openxmlformats.org/presentationml/2006/main">
+  <p:tag name="SHAPEID" val=" 240"/>
+</p:tagLst>
+</file>
+
+<file path=ppt/tags/tag252.xml><?xml version="1.0" encoding="utf-8"?>
+<p:tagLst xmlns:a="http://schemas.openxmlformats.org/drawingml/2006/main" xmlns:r="http://schemas.openxmlformats.org/officeDocument/2006/relationships" xmlns:p="http://schemas.openxmlformats.org/presentationml/2006/main">
+  <p:tag name="SHAPEID" val=" 241"/>
+</p:tagLst>
+</file>
+
+<file path=ppt/tags/tag253.xml><?xml version="1.0" encoding="utf-8"?>
+<p:tagLst xmlns:a="http://schemas.openxmlformats.org/drawingml/2006/main" xmlns:r="http://schemas.openxmlformats.org/officeDocument/2006/relationships" xmlns:p="http://schemas.openxmlformats.org/presentationml/2006/main">
+  <p:tag name="SHAPEID" val=" 242"/>
+</p:tagLst>
+</file>
+
+<file path=ppt/tags/tag254.xml><?xml version="1.0" encoding="utf-8"?>
+<p:tagLst xmlns:a="http://schemas.openxmlformats.org/drawingml/2006/main" xmlns:r="http://schemas.openxmlformats.org/officeDocument/2006/relationships" xmlns:p="http://schemas.openxmlformats.org/presentationml/2006/main">
   <p:tag name="SHAPEID" val=" 243"/>
 </p:tagLst>
 </file>
 
-<file path=ppt/tags/tag251.xml><?xml version="1.0" encoding="utf-8"?>
+<file path=ppt/tags/tag255.xml><?xml version="1.0" encoding="utf-8"?>
 <p:tagLst xmlns:a="http://schemas.openxmlformats.org/drawingml/2006/main" xmlns:r="http://schemas.openxmlformats.org/officeDocument/2006/relationships" xmlns:p="http://schemas.openxmlformats.org/presentationml/2006/main">
   <p:tag name="SHAPEID" val=" 3"/>
 </p:tagLst>
 </file>
 
-<file path=ppt/tags/tag252.xml><?xml version="1.0" encoding="utf-8"?>
+<file path=ppt/tags/tag256.xml><?xml version="1.0" encoding="utf-8"?>
+<p:tagLst xmlns:a="http://schemas.openxmlformats.org/drawingml/2006/main" xmlns:r="http://schemas.openxmlformats.org/officeDocument/2006/relationships" xmlns:p="http://schemas.openxmlformats.org/presentationml/2006/main">
+  <p:tag name="SHAPEID" val=" 5"/>
+</p:tagLst>
+</file>
+
+<file path=ppt/tags/tag257.xml><?xml version="1.0" encoding="utf-8"?>
+<p:tagLst xmlns:a="http://schemas.openxmlformats.org/drawingml/2006/main" xmlns:r="http://schemas.openxmlformats.org/officeDocument/2006/relationships" xmlns:p="http://schemas.openxmlformats.org/presentationml/2006/main">
+  <p:tag name="SHAPEID" val=" 7"/>
+</p:tagLst>
+</file>
+
+<file path=ppt/tags/tag258.xml><?xml version="1.0" encoding="utf-8"?>
 <p:tagLst xmlns:a="http://schemas.openxmlformats.org/drawingml/2006/main" xmlns:r="http://schemas.openxmlformats.org/officeDocument/2006/relationships" xmlns:p="http://schemas.openxmlformats.org/presentationml/2006/main">
   <p:tag name="SHAPEID" val=" 240"/>
 </p:tagLst>
 </file>
 
-<file path=ppt/tags/tag253.xml><?xml version="1.0" encoding="utf-8"?>
+<file path=ppt/tags/tag259.xml><?xml version="1.0" encoding="utf-8"?>
 <p:tagLst xmlns:a="http://schemas.openxmlformats.org/drawingml/2006/main" xmlns:r="http://schemas.openxmlformats.org/officeDocument/2006/relationships" xmlns:p="http://schemas.openxmlformats.org/presentationml/2006/main">
   <p:tag name="SHAPEID" val=" 241"/>
-</p:tagLst>
-</file>
-
-<file path=ppt/tags/tag254.xml><?xml version="1.0" encoding="utf-8"?>
-<p:tagLst xmlns:a="http://schemas.openxmlformats.org/drawingml/2006/main" xmlns:r="http://schemas.openxmlformats.org/officeDocument/2006/relationships" xmlns:p="http://schemas.openxmlformats.org/presentationml/2006/main">
-  <p:tag name="SHAPEID" val=" 242"/>
-</p:tagLst>
-</file>
-
-<file path=ppt/tags/tag255.xml><?xml version="1.0" encoding="utf-8"?>
-<p:tagLst xmlns:a="http://schemas.openxmlformats.org/drawingml/2006/main" xmlns:r="http://schemas.openxmlformats.org/officeDocument/2006/relationships" xmlns:p="http://schemas.openxmlformats.org/presentationml/2006/main">
-  <p:tag name="SHAPEID" val=" 243"/>
-</p:tagLst>
-</file>
-
-<file path=ppt/tags/tag256.xml><?xml version="1.0" encoding="utf-8"?>
-<p:tagLst xmlns:a="http://schemas.openxmlformats.org/drawingml/2006/main" xmlns:r="http://schemas.openxmlformats.org/officeDocument/2006/relationships" xmlns:p="http://schemas.openxmlformats.org/presentationml/2006/main">
-  <p:tag name="SHAPEID" val=" 3"/>
-</p:tagLst>
-</file>
-
-<file path=ppt/tags/tag257.xml><?xml version="1.0" encoding="utf-8"?>
-<p:tagLst xmlns:a="http://schemas.openxmlformats.org/drawingml/2006/main" xmlns:r="http://schemas.openxmlformats.org/officeDocument/2006/relationships" xmlns:p="http://schemas.openxmlformats.org/presentationml/2006/main">
-  <p:tag name="SHAPEID" val=" 5"/>
-</p:tagLst>
-</file>
-
-<file path=ppt/tags/tag258.xml><?xml version="1.0" encoding="utf-8"?>
-<p:tagLst xmlns:a="http://schemas.openxmlformats.org/drawingml/2006/main" xmlns:r="http://schemas.openxmlformats.org/officeDocument/2006/relationships" xmlns:p="http://schemas.openxmlformats.org/presentationml/2006/main">
-  <p:tag name="SHAPEID" val=" 7"/>
-</p:tagLst>
-</file>
-
-<file path=ppt/tags/tag259.xml><?xml version="1.0" encoding="utf-8"?>
-<p:tagLst xmlns:a="http://schemas.openxmlformats.org/drawingml/2006/main" xmlns:r="http://schemas.openxmlformats.org/officeDocument/2006/relationships" xmlns:p="http://schemas.openxmlformats.org/presentationml/2006/main">
-  <p:tag name="SHAPEID" val=" 240"/>
 </p:tagLst>
 </file>
 
@@ -34704,61 +34672,61 @@
 
 <file path=ppt/tags/tag260.xml><?xml version="1.0" encoding="utf-8"?>
 <p:tagLst xmlns:a="http://schemas.openxmlformats.org/drawingml/2006/main" xmlns:r="http://schemas.openxmlformats.org/officeDocument/2006/relationships" xmlns:p="http://schemas.openxmlformats.org/presentationml/2006/main">
+  <p:tag name="SHAPEID" val=" 242"/>
+</p:tagLst>
+</file>
+
+<file path=ppt/tags/tag261.xml><?xml version="1.0" encoding="utf-8"?>
+<p:tagLst xmlns:a="http://schemas.openxmlformats.org/drawingml/2006/main" xmlns:r="http://schemas.openxmlformats.org/officeDocument/2006/relationships" xmlns:p="http://schemas.openxmlformats.org/presentationml/2006/main">
+  <p:tag name="SHAPEID" val=" 243"/>
+</p:tagLst>
+</file>
+
+<file path=ppt/tags/tag262.xml><?xml version="1.0" encoding="utf-8"?>
+<p:tagLst xmlns:a="http://schemas.openxmlformats.org/drawingml/2006/main" xmlns:r="http://schemas.openxmlformats.org/officeDocument/2006/relationships" xmlns:p="http://schemas.openxmlformats.org/presentationml/2006/main">
+  <p:tag name="SHAPEID" val=" 6"/>
+</p:tagLst>
+</file>
+
+<file path=ppt/tags/tag263.xml><?xml version="1.0" encoding="utf-8"?>
+<p:tagLst xmlns:a="http://schemas.openxmlformats.org/drawingml/2006/main" xmlns:r="http://schemas.openxmlformats.org/officeDocument/2006/relationships" xmlns:p="http://schemas.openxmlformats.org/presentationml/2006/main">
+  <p:tag name="SHAPEID" val=" 7"/>
+</p:tagLst>
+</file>
+
+<file path=ppt/tags/tag264.xml><?xml version="1.0" encoding="utf-8"?>
+<p:tagLst xmlns:a="http://schemas.openxmlformats.org/drawingml/2006/main" xmlns:r="http://schemas.openxmlformats.org/officeDocument/2006/relationships" xmlns:p="http://schemas.openxmlformats.org/presentationml/2006/main">
+  <p:tag name="SHAPEID" val=" 240"/>
+</p:tagLst>
+</file>
+
+<file path=ppt/tags/tag265.xml><?xml version="1.0" encoding="utf-8"?>
+<p:tagLst xmlns:a="http://schemas.openxmlformats.org/drawingml/2006/main" xmlns:r="http://schemas.openxmlformats.org/officeDocument/2006/relationships" xmlns:p="http://schemas.openxmlformats.org/presentationml/2006/main">
   <p:tag name="SHAPEID" val=" 241"/>
 </p:tagLst>
 </file>
 
-<file path=ppt/tags/tag261.xml><?xml version="1.0" encoding="utf-8"?>
+<file path=ppt/tags/tag266.xml><?xml version="1.0" encoding="utf-8"?>
 <p:tagLst xmlns:a="http://schemas.openxmlformats.org/drawingml/2006/main" xmlns:r="http://schemas.openxmlformats.org/officeDocument/2006/relationships" xmlns:p="http://schemas.openxmlformats.org/presentationml/2006/main">
   <p:tag name="SHAPEID" val=" 242"/>
 </p:tagLst>
 </file>
 
-<file path=ppt/tags/tag262.xml><?xml version="1.0" encoding="utf-8"?>
+<file path=ppt/tags/tag267.xml><?xml version="1.0" encoding="utf-8"?>
 <p:tagLst xmlns:a="http://schemas.openxmlformats.org/drawingml/2006/main" xmlns:r="http://schemas.openxmlformats.org/officeDocument/2006/relationships" xmlns:p="http://schemas.openxmlformats.org/presentationml/2006/main">
   <p:tag name="SHAPEID" val=" 243"/>
 </p:tagLst>
 </file>
 
-<file path=ppt/tags/tag263.xml><?xml version="1.0" encoding="utf-8"?>
+<file path=ppt/tags/tag268.xml><?xml version="1.0" encoding="utf-8"?>
+<p:tagLst xmlns:a="http://schemas.openxmlformats.org/drawingml/2006/main" xmlns:r="http://schemas.openxmlformats.org/officeDocument/2006/relationships" xmlns:p="http://schemas.openxmlformats.org/presentationml/2006/main">
+  <p:tag name="SHAPEID" val=" 3"/>
+</p:tagLst>
+</file>
+
+<file path=ppt/tags/tag269.xml><?xml version="1.0" encoding="utf-8"?>
 <p:tagLst xmlns:a="http://schemas.openxmlformats.org/drawingml/2006/main" xmlns:r="http://schemas.openxmlformats.org/officeDocument/2006/relationships" xmlns:p="http://schemas.openxmlformats.org/presentationml/2006/main">
   <p:tag name="SHAPEID" val=" 6"/>
-</p:tagLst>
-</file>
-
-<file path=ppt/tags/tag264.xml><?xml version="1.0" encoding="utf-8"?>
-<p:tagLst xmlns:a="http://schemas.openxmlformats.org/drawingml/2006/main" xmlns:r="http://schemas.openxmlformats.org/officeDocument/2006/relationships" xmlns:p="http://schemas.openxmlformats.org/presentationml/2006/main">
-  <p:tag name="SHAPEID" val=" 7"/>
-</p:tagLst>
-</file>
-
-<file path=ppt/tags/tag265.xml><?xml version="1.0" encoding="utf-8"?>
-<p:tagLst xmlns:a="http://schemas.openxmlformats.org/drawingml/2006/main" xmlns:r="http://schemas.openxmlformats.org/officeDocument/2006/relationships" xmlns:p="http://schemas.openxmlformats.org/presentationml/2006/main">
-  <p:tag name="SHAPEID" val=" 240"/>
-</p:tagLst>
-</file>
-
-<file path=ppt/tags/tag266.xml><?xml version="1.0" encoding="utf-8"?>
-<p:tagLst xmlns:a="http://schemas.openxmlformats.org/drawingml/2006/main" xmlns:r="http://schemas.openxmlformats.org/officeDocument/2006/relationships" xmlns:p="http://schemas.openxmlformats.org/presentationml/2006/main">
-  <p:tag name="SHAPEID" val=" 241"/>
-</p:tagLst>
-</file>
-
-<file path=ppt/tags/tag267.xml><?xml version="1.0" encoding="utf-8"?>
-<p:tagLst xmlns:a="http://schemas.openxmlformats.org/drawingml/2006/main" xmlns:r="http://schemas.openxmlformats.org/officeDocument/2006/relationships" xmlns:p="http://schemas.openxmlformats.org/presentationml/2006/main">
-  <p:tag name="SHAPEID" val=" 242"/>
-</p:tagLst>
-</file>
-
-<file path=ppt/tags/tag268.xml><?xml version="1.0" encoding="utf-8"?>
-<p:tagLst xmlns:a="http://schemas.openxmlformats.org/drawingml/2006/main" xmlns:r="http://schemas.openxmlformats.org/officeDocument/2006/relationships" xmlns:p="http://schemas.openxmlformats.org/presentationml/2006/main">
-  <p:tag name="SHAPEID" val=" 243"/>
-</p:tagLst>
-</file>
-
-<file path=ppt/tags/tag269.xml><?xml version="1.0" encoding="utf-8"?>
-<p:tagLst xmlns:a="http://schemas.openxmlformats.org/drawingml/2006/main" xmlns:r="http://schemas.openxmlformats.org/officeDocument/2006/relationships" xmlns:p="http://schemas.openxmlformats.org/presentationml/2006/main">
-  <p:tag name="SHAPEID" val=" 3"/>
 </p:tagLst>
 </file>
 
@@ -34770,17 +34738,11 @@
 
 <file path=ppt/tags/tag270.xml><?xml version="1.0" encoding="utf-8"?>
 <p:tagLst xmlns:a="http://schemas.openxmlformats.org/drawingml/2006/main" xmlns:r="http://schemas.openxmlformats.org/officeDocument/2006/relationships" xmlns:p="http://schemas.openxmlformats.org/presentationml/2006/main">
-  <p:tag name="SHAPEID" val=" 6"/>
-</p:tagLst>
-</file>
-
-<file path=ppt/tags/tag271.xml><?xml version="1.0" encoding="utf-8"?>
-<p:tagLst xmlns:a="http://schemas.openxmlformats.org/drawingml/2006/main" xmlns:r="http://schemas.openxmlformats.org/officeDocument/2006/relationships" xmlns:p="http://schemas.openxmlformats.org/presentationml/2006/main">
   <p:tag name="SHAPEID" val=" 7"/>
 </p:tagLst>
 </file>
 
-<file path=ppt/tags/tag272.xml><?xml version="1.0" encoding="utf-8"?>
+<file path=ppt/tags/tag271.xml><?xml version="1.0" encoding="utf-8"?>
 <p:tagLst xmlns:a="http://schemas.openxmlformats.org/drawingml/2006/main" xmlns:r="http://schemas.openxmlformats.org/officeDocument/2006/relationships" xmlns:p="http://schemas.openxmlformats.org/presentationml/2006/main">
   <p:tag name="SHAPEID" val=" 8"/>
 </p:tagLst>
